--- a/Info/MicroEEG以太网版通讯协议v1.4.pptx
+++ b/Info/MicroEEG以太网版通讯协议v1.4.pptx
@@ -398,7 +398,7 @@
           <a:p>
             <a:fld id="{78351125-25EA-457C-9E7F-8C514A1591BE}" type="datetimeFigureOut">
               <a:rPr lang="zh-CN" altLang="en-US" smtClean="0"/>
-              <a:t>2020/12/1</a:t>
+              <a:t>2021/1/17</a:t>
             </a:fld>
             <a:endParaRPr lang="zh-CN" altLang="en-US"/>
           </a:p>
@@ -1304,7 +1304,7 @@
           <a:p>
             <a:fld id="{69BB2B35-312D-43AF-985A-2584D97C06B1}" type="datetimeFigureOut">
               <a:rPr lang="zh-CN" altLang="en-US" smtClean="0"/>
-              <a:t>2020/12/1</a:t>
+              <a:t>2021/1/17</a:t>
             </a:fld>
             <a:endParaRPr lang="zh-CN" altLang="en-US"/>
           </a:p>
@@ -1474,7 +1474,7 @@
           <a:p>
             <a:fld id="{69BB2B35-312D-43AF-985A-2584D97C06B1}" type="datetimeFigureOut">
               <a:rPr lang="zh-CN" altLang="en-US" smtClean="0"/>
-              <a:t>2020/12/1</a:t>
+              <a:t>2021/1/17</a:t>
             </a:fld>
             <a:endParaRPr lang="zh-CN" altLang="en-US"/>
           </a:p>
@@ -1654,7 +1654,7 @@
           <a:p>
             <a:fld id="{69BB2B35-312D-43AF-985A-2584D97C06B1}" type="datetimeFigureOut">
               <a:rPr lang="zh-CN" altLang="en-US" smtClean="0"/>
-              <a:t>2020/12/1</a:t>
+              <a:t>2021/1/17</a:t>
             </a:fld>
             <a:endParaRPr lang="zh-CN" altLang="en-US"/>
           </a:p>
@@ -1824,7 +1824,7 @@
           <a:p>
             <a:fld id="{69BB2B35-312D-43AF-985A-2584D97C06B1}" type="datetimeFigureOut">
               <a:rPr lang="zh-CN" altLang="en-US" smtClean="0"/>
-              <a:t>2020/12/1</a:t>
+              <a:t>2021/1/17</a:t>
             </a:fld>
             <a:endParaRPr lang="zh-CN" altLang="en-US"/>
           </a:p>
@@ -2070,7 +2070,7 @@
           <a:p>
             <a:fld id="{69BB2B35-312D-43AF-985A-2584D97C06B1}" type="datetimeFigureOut">
               <a:rPr lang="zh-CN" altLang="en-US" smtClean="0"/>
-              <a:t>2020/12/1</a:t>
+              <a:t>2021/1/17</a:t>
             </a:fld>
             <a:endParaRPr lang="zh-CN" altLang="en-US"/>
           </a:p>
@@ -2302,7 +2302,7 @@
           <a:p>
             <a:fld id="{69BB2B35-312D-43AF-985A-2584D97C06B1}" type="datetimeFigureOut">
               <a:rPr lang="zh-CN" altLang="en-US" smtClean="0"/>
-              <a:t>2020/12/1</a:t>
+              <a:t>2021/1/17</a:t>
             </a:fld>
             <a:endParaRPr lang="zh-CN" altLang="en-US"/>
           </a:p>
@@ -2669,7 +2669,7 @@
           <a:p>
             <a:fld id="{69BB2B35-312D-43AF-985A-2584D97C06B1}" type="datetimeFigureOut">
               <a:rPr lang="zh-CN" altLang="en-US" smtClean="0"/>
-              <a:t>2020/12/1</a:t>
+              <a:t>2021/1/17</a:t>
             </a:fld>
             <a:endParaRPr lang="zh-CN" altLang="en-US"/>
           </a:p>
@@ -2787,7 +2787,7 @@
           <a:p>
             <a:fld id="{69BB2B35-312D-43AF-985A-2584D97C06B1}" type="datetimeFigureOut">
               <a:rPr lang="zh-CN" altLang="en-US" smtClean="0"/>
-              <a:t>2020/12/1</a:t>
+              <a:t>2021/1/17</a:t>
             </a:fld>
             <a:endParaRPr lang="zh-CN" altLang="en-US"/>
           </a:p>
@@ -2882,7 +2882,7 @@
           <a:p>
             <a:fld id="{69BB2B35-312D-43AF-985A-2584D97C06B1}" type="datetimeFigureOut">
               <a:rPr lang="zh-CN" altLang="en-US" smtClean="0"/>
-              <a:t>2020/12/1</a:t>
+              <a:t>2021/1/17</a:t>
             </a:fld>
             <a:endParaRPr lang="zh-CN" altLang="en-US"/>
           </a:p>
@@ -3159,7 +3159,7 @@
           <a:p>
             <a:fld id="{69BB2B35-312D-43AF-985A-2584D97C06B1}" type="datetimeFigureOut">
               <a:rPr lang="zh-CN" altLang="en-US" smtClean="0"/>
-              <a:t>2020/12/1</a:t>
+              <a:t>2021/1/17</a:t>
             </a:fld>
             <a:endParaRPr lang="zh-CN" altLang="en-US"/>
           </a:p>
@@ -3416,7 +3416,7 @@
           <a:p>
             <a:fld id="{69BB2B35-312D-43AF-985A-2584D97C06B1}" type="datetimeFigureOut">
               <a:rPr lang="zh-CN" altLang="en-US" smtClean="0"/>
-              <a:t>2020/12/1</a:t>
+              <a:t>2021/1/17</a:t>
             </a:fld>
             <a:endParaRPr lang="zh-CN" altLang="en-US"/>
           </a:p>
@@ -3629,7 +3629,7 @@
           <a:p>
             <a:fld id="{69BB2B35-312D-43AF-985A-2584D97C06B1}" type="datetimeFigureOut">
               <a:rPr lang="zh-CN" altLang="en-US" smtClean="0"/>
-              <a:t>2020/12/1</a:t>
+              <a:t>2021/1/17</a:t>
             </a:fld>
             <a:endParaRPr lang="zh-CN" altLang="en-US"/>
           </a:p>
@@ -4168,7 +4168,7 @@
                 <a:latin typeface="微软雅黑" panose="020B0503020204020204" pitchFamily="34" charset="-122"/>
                 <a:ea typeface="微软雅黑" panose="020B0503020204020204" pitchFamily="34" charset="-122"/>
               </a:rPr>
-              <a:t>v1.4</a:t>
+              <a:t>v1.41</a:t>
             </a:r>
             <a:endParaRPr lang="zh-CN" altLang="en-US" sz="4800" dirty="0">
               <a:solidFill>
@@ -4316,7 +4316,7 @@
                   <a:srgbClr val="00498E"/>
                 </a:solidFill>
               </a:rPr>
-              <a:t>version - 1.4</a:t>
+              <a:t>version - 1.41</a:t>
             </a:r>
           </a:p>
           <a:p>
@@ -10788,7 +10788,7 @@
         <p:spPr>
           <a:xfrm>
             <a:off x="144780" y="738124"/>
-            <a:ext cx="3250550" cy="1691104"/>
+            <a:ext cx="3250550" cy="1921936"/>
           </a:xfrm>
           <a:prstGeom prst="rect">
             <a:avLst/>
@@ -10975,6 +10975,52 @@
                 </a:solidFill>
               </a:rPr>
               <a:t>version - 1.4	</a:t>
+            </a:r>
+            <a:r>
+              <a:rPr lang="en-US" altLang="zh-CN" sz="1200" dirty="0" err="1">
+                <a:solidFill>
+                  <a:srgbClr val="00498E"/>
+                </a:solidFill>
+              </a:rPr>
+              <a:t>gjm_silly</a:t>
+            </a:r>
+            <a:endParaRPr lang="en-US" altLang="zh-CN" sz="1200" dirty="0">
+              <a:solidFill>
+                <a:srgbClr val="00498E"/>
+              </a:solidFill>
+            </a:endParaRPr>
+          </a:p>
+          <a:p>
+            <a:pPr marL="171450" indent="-171450">
+              <a:lnSpc>
+                <a:spcPct val="125000"/>
+              </a:lnSpc>
+              <a:buFont typeface="Arial" panose="020B0604020202020204" pitchFamily="34" charset="0"/>
+              <a:buChar char="•"/>
+            </a:pPr>
+            <a:r>
+              <a:rPr lang="en-US" altLang="zh-CN" sz="1200" b="1">
+                <a:solidFill>
+                  <a:srgbClr val="00498E"/>
+                </a:solidFill>
+              </a:rPr>
+              <a:t>2021.01.17</a:t>
+            </a:r>
+            <a:r>
+              <a:rPr lang="en-US" altLang="zh-CN" sz="1200" b="1" dirty="0">
+                <a:solidFill>
+                  <a:srgbClr val="00498E"/>
+                </a:solidFill>
+              </a:rPr>
+              <a:t>	</a:t>
+            </a:r>
+            <a:r>
+              <a:rPr lang="en-US" altLang="zh-CN" sz="1200" dirty="0">
+                <a:solidFill>
+                  <a:srgbClr val="00498E"/>
+                </a:solidFill>
+              </a:rPr>
+              <a:t>version - 1.41	</a:t>
             </a:r>
             <a:r>
               <a:rPr lang="en-US" altLang="zh-CN" sz="1200" dirty="0" err="1">
@@ -21067,7 +21113,7 @@
           <p:nvPr>
             <p:extLst>
               <p:ext uri="{D42A27DB-BD31-4B8C-83A1-F6EECF244321}">
-                <p14:modId xmlns:p14="http://schemas.microsoft.com/office/powerpoint/2010/main" val="777329188"/>
+                <p14:modId xmlns:p14="http://schemas.microsoft.com/office/powerpoint/2010/main" val="522952589"/>
               </p:ext>
             </p:extLst>
           </p:nvPr>
@@ -24778,7 +24824,7 @@
                       </a:r>
                       <a:r>
                         <a:rPr lang="en-US" altLang="zh-CN" sz="1200" dirty="0"/>
-                        <a:t>1/2/4/6</a:t>
+                        <a:t>1/2/4/6/8/12/24</a:t>
                       </a:r>
                       <a:endParaRPr lang="zh-CN" altLang="en-US" sz="1200" dirty="0"/>
                     </a:p>

--- a/Info/MicroEEG以太网版通讯协议v1.4.pptx
+++ b/Info/MicroEEG以太网版通讯协议v1.4.pptx
@@ -398,7 +398,7 @@
           <a:p>
             <a:fld id="{78351125-25EA-457C-9E7F-8C514A1591BE}" type="datetimeFigureOut">
               <a:rPr lang="zh-CN" altLang="en-US" smtClean="0"/>
-              <a:t>2021/1/17</a:t>
+              <a:t>2022/8/20</a:t>
             </a:fld>
             <a:endParaRPr lang="zh-CN" altLang="en-US"/>
           </a:p>
@@ -1304,7 +1304,7 @@
           <a:p>
             <a:fld id="{69BB2B35-312D-43AF-985A-2584D97C06B1}" type="datetimeFigureOut">
               <a:rPr lang="zh-CN" altLang="en-US" smtClean="0"/>
-              <a:t>2021/1/17</a:t>
+              <a:t>2022/8/20</a:t>
             </a:fld>
             <a:endParaRPr lang="zh-CN" altLang="en-US"/>
           </a:p>
@@ -1474,7 +1474,7 @@
           <a:p>
             <a:fld id="{69BB2B35-312D-43AF-985A-2584D97C06B1}" type="datetimeFigureOut">
               <a:rPr lang="zh-CN" altLang="en-US" smtClean="0"/>
-              <a:t>2021/1/17</a:t>
+              <a:t>2022/8/20</a:t>
             </a:fld>
             <a:endParaRPr lang="zh-CN" altLang="en-US"/>
           </a:p>
@@ -1654,7 +1654,7 @@
           <a:p>
             <a:fld id="{69BB2B35-312D-43AF-985A-2584D97C06B1}" type="datetimeFigureOut">
               <a:rPr lang="zh-CN" altLang="en-US" smtClean="0"/>
-              <a:t>2021/1/17</a:t>
+              <a:t>2022/8/20</a:t>
             </a:fld>
             <a:endParaRPr lang="zh-CN" altLang="en-US"/>
           </a:p>
@@ -1824,7 +1824,7 @@
           <a:p>
             <a:fld id="{69BB2B35-312D-43AF-985A-2584D97C06B1}" type="datetimeFigureOut">
               <a:rPr lang="zh-CN" altLang="en-US" smtClean="0"/>
-              <a:t>2021/1/17</a:t>
+              <a:t>2022/8/20</a:t>
             </a:fld>
             <a:endParaRPr lang="zh-CN" altLang="en-US"/>
           </a:p>
@@ -2070,7 +2070,7 @@
           <a:p>
             <a:fld id="{69BB2B35-312D-43AF-985A-2584D97C06B1}" type="datetimeFigureOut">
               <a:rPr lang="zh-CN" altLang="en-US" smtClean="0"/>
-              <a:t>2021/1/17</a:t>
+              <a:t>2022/8/20</a:t>
             </a:fld>
             <a:endParaRPr lang="zh-CN" altLang="en-US"/>
           </a:p>
@@ -2302,7 +2302,7 @@
           <a:p>
             <a:fld id="{69BB2B35-312D-43AF-985A-2584D97C06B1}" type="datetimeFigureOut">
               <a:rPr lang="zh-CN" altLang="en-US" smtClean="0"/>
-              <a:t>2021/1/17</a:t>
+              <a:t>2022/8/20</a:t>
             </a:fld>
             <a:endParaRPr lang="zh-CN" altLang="en-US"/>
           </a:p>
@@ -2669,7 +2669,7 @@
           <a:p>
             <a:fld id="{69BB2B35-312D-43AF-985A-2584D97C06B1}" type="datetimeFigureOut">
               <a:rPr lang="zh-CN" altLang="en-US" smtClean="0"/>
-              <a:t>2021/1/17</a:t>
+              <a:t>2022/8/20</a:t>
             </a:fld>
             <a:endParaRPr lang="zh-CN" altLang="en-US"/>
           </a:p>
@@ -2787,7 +2787,7 @@
           <a:p>
             <a:fld id="{69BB2B35-312D-43AF-985A-2584D97C06B1}" type="datetimeFigureOut">
               <a:rPr lang="zh-CN" altLang="en-US" smtClean="0"/>
-              <a:t>2021/1/17</a:t>
+              <a:t>2022/8/20</a:t>
             </a:fld>
             <a:endParaRPr lang="zh-CN" altLang="en-US"/>
           </a:p>
@@ -2882,7 +2882,7 @@
           <a:p>
             <a:fld id="{69BB2B35-312D-43AF-985A-2584D97C06B1}" type="datetimeFigureOut">
               <a:rPr lang="zh-CN" altLang="en-US" smtClean="0"/>
-              <a:t>2021/1/17</a:t>
+              <a:t>2022/8/20</a:t>
             </a:fld>
             <a:endParaRPr lang="zh-CN" altLang="en-US"/>
           </a:p>
@@ -3159,7 +3159,7 @@
           <a:p>
             <a:fld id="{69BB2B35-312D-43AF-985A-2584D97C06B1}" type="datetimeFigureOut">
               <a:rPr lang="zh-CN" altLang="en-US" smtClean="0"/>
-              <a:t>2021/1/17</a:t>
+              <a:t>2022/8/20</a:t>
             </a:fld>
             <a:endParaRPr lang="zh-CN" altLang="en-US"/>
           </a:p>
@@ -3416,7 +3416,7 @@
           <a:p>
             <a:fld id="{69BB2B35-312D-43AF-985A-2584D97C06B1}" type="datetimeFigureOut">
               <a:rPr lang="zh-CN" altLang="en-US" smtClean="0"/>
-              <a:t>2021/1/17</a:t>
+              <a:t>2022/8/20</a:t>
             </a:fld>
             <a:endParaRPr lang="zh-CN" altLang="en-US"/>
           </a:p>
@@ -3629,7 +3629,7 @@
           <a:p>
             <a:fld id="{69BB2B35-312D-43AF-985A-2584D97C06B1}" type="datetimeFigureOut">
               <a:rPr lang="zh-CN" altLang="en-US" smtClean="0"/>
-              <a:t>2021/1/17</a:t>
+              <a:t>2022/8/20</a:t>
             </a:fld>
             <a:endParaRPr lang="zh-CN" altLang="en-US"/>
           </a:p>
@@ -20913,7 +20913,7 @@
         </p:nvSpPr>
         <p:spPr>
           <a:xfrm>
-            <a:off x="0" y="184396"/>
+            <a:off x="0" y="106461"/>
             <a:ext cx="144780" cy="369332"/>
           </a:xfrm>
           <a:prstGeom prst="rect">
@@ -20965,7 +20965,7 @@
         </p:nvSpPr>
         <p:spPr>
           <a:xfrm>
-            <a:off x="144780" y="184396"/>
+            <a:off x="144780" y="106461"/>
             <a:ext cx="3427760" cy="369332"/>
           </a:xfrm>
           <a:prstGeom prst="rect">
@@ -21021,8 +21021,8 @@
         </p:nvSpPr>
         <p:spPr>
           <a:xfrm>
-            <a:off x="144780" y="778756"/>
-            <a:ext cx="8679180" cy="1099468"/>
+            <a:off x="144780" y="363596"/>
+            <a:ext cx="8854440" cy="1099468"/>
           </a:xfrm>
           <a:prstGeom prst="rect">
             <a:avLst/>
@@ -21113,14 +21113,14 @@
           <p:nvPr>
             <p:extLst>
               <p:ext uri="{D42A27DB-BD31-4B8C-83A1-F6EECF244321}">
-                <p14:modId xmlns:p14="http://schemas.microsoft.com/office/powerpoint/2010/main" val="522952589"/>
+                <p14:modId xmlns:p14="http://schemas.microsoft.com/office/powerpoint/2010/main" val="1304278056"/>
               </p:ext>
             </p:extLst>
           </p:nvPr>
         </p:nvGraphicFramePr>
         <p:xfrm>
-          <a:off x="480060" y="1913471"/>
-          <a:ext cx="8290560" cy="3040380"/>
+          <a:off x="426720" y="1463064"/>
+          <a:ext cx="8290560" cy="3589020"/>
         </p:xfrm>
         <a:graphic>
           <a:graphicData uri="http://schemas.openxmlformats.org/drawingml/2006/table">
@@ -25291,7 +25291,7 @@
                           <a:ea typeface="+mn-ea"/>
                           <a:cs typeface="+mn-cs"/>
                         </a:rPr>
-                        <a:t>u</a:t>
+                        <a:t>U</a:t>
                       </a:r>
                       <a:r>
                         <a:rPr lang="en-US" sz="1200" kern="1200" dirty="0">
@@ -25315,7 +25315,824 @@
                         </a:rPr>
                         <a:t>32</a:t>
                       </a:r>
-                      <a:endParaRPr lang="en-US" sz="1200" kern="1200" dirty="0">
+                    </a:p>
+                  </a:txBody>
+                  <a:tcPr marL="9525" marR="9525" marT="9525" marB="0" anchor="ctr">
+                    <a:lnL w="19050" cap="flat" cmpd="sng" algn="ctr">
+                      <a:solidFill>
+                        <a:schemeClr val="bg1"/>
+                      </a:solidFill>
+                      <a:prstDash val="solid"/>
+                      <a:round/>
+                      <a:headEnd type="none" w="med" len="med"/>
+                      <a:tailEnd type="none" w="med" len="med"/>
+                    </a:lnL>
+                    <a:lnR w="19050" cap="flat" cmpd="sng" algn="ctr">
+                      <a:solidFill>
+                        <a:schemeClr val="bg1"/>
+                      </a:solidFill>
+                      <a:prstDash val="solid"/>
+                      <a:round/>
+                      <a:headEnd type="none" w="med" len="med"/>
+                      <a:tailEnd type="none" w="med" len="med"/>
+                    </a:lnR>
+                    <a:lnT w="19050" cap="flat" cmpd="sng" algn="ctr">
+                      <a:solidFill>
+                        <a:schemeClr val="bg1"/>
+                      </a:solidFill>
+                      <a:prstDash val="solid"/>
+                      <a:round/>
+                      <a:headEnd type="none" w="med" len="med"/>
+                      <a:tailEnd type="none" w="med" len="med"/>
+                    </a:lnT>
+                    <a:lnB w="19050" cap="flat" cmpd="sng" algn="ctr">
+                      <a:solidFill>
+                        <a:schemeClr val="bg1"/>
+                      </a:solidFill>
+                      <a:prstDash val="solid"/>
+                      <a:round/>
+                      <a:headEnd type="none" w="med" len="med"/>
+                      <a:tailEnd type="none" w="med" len="med"/>
+                    </a:lnB>
+                    <a:lnTlToBr w="12700" cmpd="sng">
+                      <a:noFill/>
+                      <a:prstDash val="solid"/>
+                    </a:lnTlToBr>
+                    <a:lnBlToTr w="12700" cmpd="sng">
+                      <a:noFill/>
+                      <a:prstDash val="solid"/>
+                    </a:lnBlToTr>
+                    <a:solidFill>
+                      <a:schemeClr val="bg2"/>
+                    </a:solidFill>
+                  </a:tcPr>
+                </a:tc>
+                <a:extLst>
+                  <a:ext uri="{0D108BD9-81ED-4DB2-BD59-A6C34878D82A}">
+                    <a16:rowId xmlns:a16="http://schemas.microsoft.com/office/drawing/2014/main" val="3840090590"/>
+                  </a:ext>
+                </a:extLst>
+              </a:tr>
+              <a:tr h="263410">
+                <a:tc>
+                  <a:txBody>
+                    <a:bodyPr/>
+                    <a:lstStyle/>
+                    <a:p>
+                      <a:pPr algn="ctr"/>
+                      <a:r>
+                        <a:rPr lang="en-US" altLang="zh-CN" sz="1200" kern="1200" dirty="0">
+                          <a:solidFill>
+                            <a:schemeClr val="dk1"/>
+                          </a:solidFill>
+                          <a:latin typeface="+mn-lt"/>
+                          <a:ea typeface="+mn-ea"/>
+                          <a:cs typeface="+mn-cs"/>
+                        </a:rPr>
+                        <a:t>10</a:t>
+                      </a:r>
+                      <a:endParaRPr lang="zh-CN" altLang="en-US" sz="1200" kern="1200" dirty="0">
+                        <a:solidFill>
+                          <a:schemeClr val="dk1"/>
+                        </a:solidFill>
+                        <a:latin typeface="+mn-lt"/>
+                        <a:ea typeface="+mn-ea"/>
+                        <a:cs typeface="+mn-cs"/>
+                      </a:endParaRPr>
+                    </a:p>
+                  </a:txBody>
+                  <a:tcPr anchor="ctr">
+                    <a:lnL w="19050" cap="flat" cmpd="sng" algn="ctr">
+                      <a:solidFill>
+                        <a:schemeClr val="bg1"/>
+                      </a:solidFill>
+                      <a:prstDash val="solid"/>
+                      <a:round/>
+                      <a:headEnd type="none" w="med" len="med"/>
+                      <a:tailEnd type="none" w="med" len="med"/>
+                    </a:lnL>
+                    <a:lnR w="19050" cap="flat" cmpd="sng" algn="ctr">
+                      <a:solidFill>
+                        <a:schemeClr val="bg1"/>
+                      </a:solidFill>
+                      <a:prstDash val="solid"/>
+                      <a:round/>
+                      <a:headEnd type="none" w="med" len="med"/>
+                      <a:tailEnd type="none" w="med" len="med"/>
+                    </a:lnR>
+                    <a:lnT w="19050" cap="flat" cmpd="sng" algn="ctr">
+                      <a:solidFill>
+                        <a:schemeClr val="bg1"/>
+                      </a:solidFill>
+                      <a:prstDash val="solid"/>
+                      <a:round/>
+                      <a:headEnd type="none" w="med" len="med"/>
+                      <a:tailEnd type="none" w="med" len="med"/>
+                    </a:lnT>
+                    <a:lnB w="19050" cap="flat" cmpd="sng" algn="ctr">
+                      <a:solidFill>
+                        <a:schemeClr val="bg1"/>
+                      </a:solidFill>
+                      <a:prstDash val="solid"/>
+                      <a:round/>
+                      <a:headEnd type="none" w="med" len="med"/>
+                      <a:tailEnd type="none" w="med" len="med"/>
+                    </a:lnB>
+                    <a:lnTlToBr w="12700" cmpd="sng">
+                      <a:noFill/>
+                      <a:prstDash val="solid"/>
+                    </a:lnTlToBr>
+                    <a:lnBlToTr w="12700" cmpd="sng">
+                      <a:noFill/>
+                      <a:prstDash val="solid"/>
+                    </a:lnBlToTr>
+                    <a:solidFill>
+                      <a:schemeClr val="accent2">
+                        <a:lumMod val="20000"/>
+                        <a:lumOff val="80000"/>
+                      </a:schemeClr>
+                    </a:solidFill>
+                  </a:tcPr>
+                </a:tc>
+                <a:tc>
+                  <a:txBody>
+                    <a:bodyPr/>
+                    <a:lstStyle/>
+                    <a:p>
+                      <a:r>
+                        <a:rPr lang="zh-CN" altLang="en-US" sz="1200" kern="1200" dirty="0">
+                          <a:solidFill>
+                            <a:schemeClr val="dk1"/>
+                          </a:solidFill>
+                          <a:latin typeface="+mn-lt"/>
+                          <a:ea typeface="+mn-ea"/>
+                          <a:cs typeface="+mn-cs"/>
+                        </a:rPr>
+                        <a:t>阻抗测量开关</a:t>
+                      </a:r>
+                    </a:p>
+                  </a:txBody>
+                  <a:tcPr anchor="ctr">
+                    <a:lnL w="19050" cap="flat" cmpd="sng" algn="ctr">
+                      <a:solidFill>
+                        <a:schemeClr val="bg1"/>
+                      </a:solidFill>
+                      <a:prstDash val="solid"/>
+                      <a:round/>
+                      <a:headEnd type="none" w="med" len="med"/>
+                      <a:tailEnd type="none" w="med" len="med"/>
+                    </a:lnL>
+                    <a:lnR w="19050" cap="flat" cmpd="sng" algn="ctr">
+                      <a:solidFill>
+                        <a:schemeClr val="bg1"/>
+                      </a:solidFill>
+                      <a:prstDash val="solid"/>
+                      <a:round/>
+                      <a:headEnd type="none" w="med" len="med"/>
+                      <a:tailEnd type="none" w="med" len="med"/>
+                    </a:lnR>
+                    <a:lnT w="19050" cap="flat" cmpd="sng" algn="ctr">
+                      <a:solidFill>
+                        <a:schemeClr val="bg1"/>
+                      </a:solidFill>
+                      <a:prstDash val="solid"/>
+                      <a:round/>
+                      <a:headEnd type="none" w="med" len="med"/>
+                      <a:tailEnd type="none" w="med" len="med"/>
+                    </a:lnT>
+                    <a:lnB w="19050" cap="flat" cmpd="sng" algn="ctr">
+                      <a:solidFill>
+                        <a:schemeClr val="bg1"/>
+                      </a:solidFill>
+                      <a:prstDash val="solid"/>
+                      <a:round/>
+                      <a:headEnd type="none" w="med" len="med"/>
+                      <a:tailEnd type="none" w="med" len="med"/>
+                    </a:lnB>
+                    <a:lnTlToBr w="12700" cmpd="sng">
+                      <a:noFill/>
+                      <a:prstDash val="solid"/>
+                    </a:lnTlToBr>
+                    <a:lnBlToTr w="12700" cmpd="sng">
+                      <a:noFill/>
+                      <a:prstDash val="solid"/>
+                    </a:lnBlToTr>
+                    <a:solidFill>
+                      <a:schemeClr val="bg2"/>
+                    </a:solidFill>
+                  </a:tcPr>
+                </a:tc>
+                <a:tc>
+                  <a:txBody>
+                    <a:bodyPr/>
+                    <a:lstStyle/>
+                    <a:p>
+                      <a:r>
+                        <a:rPr lang="zh-CN" altLang="en-US" sz="1200" kern="1200" dirty="0">
+                          <a:solidFill>
+                            <a:schemeClr val="dk1"/>
+                          </a:solidFill>
+                          <a:latin typeface="+mn-lt"/>
+                          <a:ea typeface="+mn-ea"/>
+                          <a:cs typeface="+mn-cs"/>
+                        </a:rPr>
+                        <a:t>读</a:t>
+                      </a:r>
+                      <a:r>
+                        <a:rPr lang="en-US" altLang="zh-CN" sz="1200" kern="1200" dirty="0">
+                          <a:solidFill>
+                            <a:schemeClr val="dk1"/>
+                          </a:solidFill>
+                          <a:latin typeface="+mn-lt"/>
+                          <a:ea typeface="+mn-ea"/>
+                          <a:cs typeface="+mn-cs"/>
+                        </a:rPr>
+                        <a:t>/</a:t>
+                      </a:r>
+                      <a:r>
+                        <a:rPr lang="zh-CN" altLang="en-US" sz="1200" kern="1200" dirty="0">
+                          <a:solidFill>
+                            <a:schemeClr val="dk1"/>
+                          </a:solidFill>
+                          <a:latin typeface="+mn-lt"/>
+                          <a:ea typeface="+mn-ea"/>
+                          <a:cs typeface="+mn-cs"/>
+                        </a:rPr>
+                        <a:t>写</a:t>
+                      </a:r>
+                    </a:p>
+                  </a:txBody>
+                  <a:tcPr anchor="ctr">
+                    <a:lnL w="19050" cap="flat" cmpd="sng" algn="ctr">
+                      <a:solidFill>
+                        <a:schemeClr val="bg1"/>
+                      </a:solidFill>
+                      <a:prstDash val="solid"/>
+                      <a:round/>
+                      <a:headEnd type="none" w="med" len="med"/>
+                      <a:tailEnd type="none" w="med" len="med"/>
+                    </a:lnL>
+                    <a:lnR w="19050" cap="flat" cmpd="sng" algn="ctr">
+                      <a:solidFill>
+                        <a:schemeClr val="bg1"/>
+                      </a:solidFill>
+                      <a:prstDash val="solid"/>
+                      <a:round/>
+                      <a:headEnd type="none" w="med" len="med"/>
+                      <a:tailEnd type="none" w="med" len="med"/>
+                    </a:lnR>
+                    <a:lnT w="19050" cap="flat" cmpd="sng" algn="ctr">
+                      <a:solidFill>
+                        <a:schemeClr val="bg1"/>
+                      </a:solidFill>
+                      <a:prstDash val="solid"/>
+                      <a:round/>
+                      <a:headEnd type="none" w="med" len="med"/>
+                      <a:tailEnd type="none" w="med" len="med"/>
+                    </a:lnT>
+                    <a:lnB w="19050" cap="flat" cmpd="sng" algn="ctr">
+                      <a:solidFill>
+                        <a:schemeClr val="bg1"/>
+                      </a:solidFill>
+                      <a:prstDash val="solid"/>
+                      <a:round/>
+                      <a:headEnd type="none" w="med" len="med"/>
+                      <a:tailEnd type="none" w="med" len="med"/>
+                    </a:lnB>
+                    <a:lnTlToBr w="12700" cmpd="sng">
+                      <a:noFill/>
+                      <a:prstDash val="solid"/>
+                    </a:lnTlToBr>
+                    <a:lnBlToTr w="12700" cmpd="sng">
+                      <a:noFill/>
+                      <a:prstDash val="solid"/>
+                    </a:lnBlToTr>
+                    <a:solidFill>
+                      <a:schemeClr val="bg2"/>
+                    </a:solidFill>
+                  </a:tcPr>
+                </a:tc>
+                <a:tc>
+                  <a:txBody>
+                    <a:bodyPr/>
+                    <a:lstStyle/>
+                    <a:p>
+                      <a:pPr marL="0" marR="0" lvl="0" indent="0" algn="ctr" defTabSz="685800" rtl="0" eaLnBrk="1" fontAlgn="auto" latinLnBrk="0" hangingPunct="1">
+                        <a:lnSpc>
+                          <a:spcPct val="100000"/>
+                        </a:lnSpc>
+                        <a:spcBef>
+                          <a:spcPts val="0"/>
+                        </a:spcBef>
+                        <a:spcAft>
+                          <a:spcPts val="0"/>
+                        </a:spcAft>
+                        <a:buClrTx/>
+                        <a:buSzTx/>
+                        <a:buFontTx/>
+                        <a:buNone/>
+                        <a:tabLst/>
+                        <a:defRPr/>
+                      </a:pPr>
+                      <a:r>
+                        <a:rPr lang="en-US" altLang="zh-CN" sz="1200" kern="1200" dirty="0">
+                          <a:solidFill>
+                            <a:schemeClr val="dk1"/>
+                          </a:solidFill>
+                          <a:latin typeface="+mn-lt"/>
+                          <a:ea typeface="+mn-ea"/>
+                          <a:cs typeface="+mn-cs"/>
+                        </a:rPr>
+                        <a:t>1 – </a:t>
+                      </a:r>
+                      <a:r>
+                        <a:rPr lang="zh-CN" altLang="en-US" sz="1200" kern="1200" dirty="0">
+                          <a:solidFill>
+                            <a:schemeClr val="dk1"/>
+                          </a:solidFill>
+                          <a:latin typeface="+mn-lt"/>
+                          <a:ea typeface="+mn-ea"/>
+                          <a:cs typeface="+mn-cs"/>
+                        </a:rPr>
+                        <a:t>阻抗测量开启 </a:t>
+                      </a:r>
+                      <a:r>
+                        <a:rPr lang="en-US" altLang="zh-CN" sz="1200" kern="1200" dirty="0">
+                          <a:solidFill>
+                            <a:schemeClr val="dk1"/>
+                          </a:solidFill>
+                          <a:latin typeface="+mn-lt"/>
+                          <a:ea typeface="+mn-ea"/>
+                          <a:cs typeface="+mn-cs"/>
+                        </a:rPr>
+                        <a:t>0 – </a:t>
+                      </a:r>
+                      <a:r>
+                        <a:rPr lang="zh-CN" altLang="en-US" sz="1200" kern="1200" dirty="0">
+                          <a:solidFill>
+                            <a:schemeClr val="dk1"/>
+                          </a:solidFill>
+                          <a:latin typeface="+mn-lt"/>
+                          <a:ea typeface="+mn-ea"/>
+                          <a:cs typeface="+mn-cs"/>
+                        </a:rPr>
+                        <a:t>阻抗测量关闭</a:t>
+                      </a:r>
+                    </a:p>
+                  </a:txBody>
+                  <a:tcPr anchor="ctr">
+                    <a:lnL w="19050" cap="flat" cmpd="sng" algn="ctr">
+                      <a:solidFill>
+                        <a:schemeClr val="bg1"/>
+                      </a:solidFill>
+                      <a:prstDash val="solid"/>
+                      <a:round/>
+                      <a:headEnd type="none" w="med" len="med"/>
+                      <a:tailEnd type="none" w="med" len="med"/>
+                    </a:lnL>
+                    <a:lnR w="19050" cap="flat" cmpd="sng" algn="ctr">
+                      <a:solidFill>
+                        <a:schemeClr val="bg1"/>
+                      </a:solidFill>
+                      <a:prstDash val="solid"/>
+                      <a:round/>
+                      <a:headEnd type="none" w="med" len="med"/>
+                      <a:tailEnd type="none" w="med" len="med"/>
+                    </a:lnR>
+                    <a:lnT w="19050" cap="flat" cmpd="sng" algn="ctr">
+                      <a:solidFill>
+                        <a:schemeClr val="bg1"/>
+                      </a:solidFill>
+                      <a:prstDash val="solid"/>
+                      <a:round/>
+                      <a:headEnd type="none" w="med" len="med"/>
+                      <a:tailEnd type="none" w="med" len="med"/>
+                    </a:lnT>
+                    <a:lnB w="19050" cap="flat" cmpd="sng" algn="ctr">
+                      <a:solidFill>
+                        <a:schemeClr val="bg1"/>
+                      </a:solidFill>
+                      <a:prstDash val="solid"/>
+                      <a:round/>
+                      <a:headEnd type="none" w="med" len="med"/>
+                      <a:tailEnd type="none" w="med" len="med"/>
+                    </a:lnB>
+                    <a:lnTlToBr w="12700" cmpd="sng">
+                      <a:noFill/>
+                      <a:prstDash val="solid"/>
+                    </a:lnTlToBr>
+                    <a:lnBlToTr w="12700" cmpd="sng">
+                      <a:noFill/>
+                      <a:prstDash val="solid"/>
+                    </a:lnBlToTr>
+                    <a:solidFill>
+                      <a:schemeClr val="bg2"/>
+                    </a:solidFill>
+                  </a:tcPr>
+                </a:tc>
+                <a:tc>
+                  <a:txBody>
+                    <a:bodyPr/>
+                    <a:lstStyle/>
+                    <a:p>
+                      <a:pPr algn="ctr" fontAlgn="ctr"/>
+                      <a:r>
+                        <a:rPr lang="en-US" altLang="zh-CN" sz="1200" kern="1200" dirty="0">
+                          <a:solidFill>
+                            <a:schemeClr val="dk1"/>
+                          </a:solidFill>
+                          <a:latin typeface="+mn-lt"/>
+                          <a:ea typeface="+mn-ea"/>
+                          <a:cs typeface="+mn-cs"/>
+                        </a:rPr>
+                        <a:t>bool</a:t>
+                      </a:r>
+                    </a:p>
+                  </a:txBody>
+                  <a:tcPr marL="9525" marR="9525" marT="9525" marB="0" anchor="ctr">
+                    <a:lnL w="19050" cap="flat" cmpd="sng" algn="ctr">
+                      <a:solidFill>
+                        <a:schemeClr val="bg1"/>
+                      </a:solidFill>
+                      <a:prstDash val="solid"/>
+                      <a:round/>
+                      <a:headEnd type="none" w="med" len="med"/>
+                      <a:tailEnd type="none" w="med" len="med"/>
+                    </a:lnL>
+                    <a:lnR w="19050" cap="flat" cmpd="sng" algn="ctr">
+                      <a:solidFill>
+                        <a:schemeClr val="bg1"/>
+                      </a:solidFill>
+                      <a:prstDash val="solid"/>
+                      <a:round/>
+                      <a:headEnd type="none" w="med" len="med"/>
+                      <a:tailEnd type="none" w="med" len="med"/>
+                    </a:lnR>
+                    <a:lnT w="19050" cap="flat" cmpd="sng" algn="ctr">
+                      <a:solidFill>
+                        <a:schemeClr val="bg1"/>
+                      </a:solidFill>
+                      <a:prstDash val="solid"/>
+                      <a:round/>
+                      <a:headEnd type="none" w="med" len="med"/>
+                      <a:tailEnd type="none" w="med" len="med"/>
+                    </a:lnT>
+                    <a:lnB w="19050" cap="flat" cmpd="sng" algn="ctr">
+                      <a:solidFill>
+                        <a:schemeClr val="bg1"/>
+                      </a:solidFill>
+                      <a:prstDash val="solid"/>
+                      <a:round/>
+                      <a:headEnd type="none" w="med" len="med"/>
+                      <a:tailEnd type="none" w="med" len="med"/>
+                    </a:lnB>
+                    <a:lnTlToBr w="12700" cmpd="sng">
+                      <a:noFill/>
+                      <a:prstDash val="solid"/>
+                    </a:lnTlToBr>
+                    <a:lnBlToTr w="12700" cmpd="sng">
+                      <a:noFill/>
+                      <a:prstDash val="solid"/>
+                    </a:lnBlToTr>
+                    <a:solidFill>
+                      <a:schemeClr val="bg2"/>
+                    </a:solidFill>
+                  </a:tcPr>
+                </a:tc>
+                <a:extLst>
+                  <a:ext uri="{0D108BD9-81ED-4DB2-BD59-A6C34878D82A}">
+                    <a16:rowId xmlns:a16="http://schemas.microsoft.com/office/drawing/2014/main" val="131801540"/>
+                  </a:ext>
+                </a:extLst>
+              </a:tr>
+              <a:tr h="263410">
+                <a:tc>
+                  <a:txBody>
+                    <a:bodyPr/>
+                    <a:lstStyle/>
+                    <a:p>
+                      <a:pPr algn="ctr"/>
+                      <a:r>
+                        <a:rPr lang="en-US" altLang="zh-CN" sz="1200" kern="1200" dirty="0">
+                          <a:solidFill>
+                            <a:schemeClr val="dk1"/>
+                          </a:solidFill>
+                          <a:latin typeface="+mn-lt"/>
+                          <a:ea typeface="+mn-ea"/>
+                          <a:cs typeface="+mn-cs"/>
+                        </a:rPr>
+                        <a:t>11</a:t>
+                      </a:r>
+                      <a:endParaRPr lang="zh-CN" altLang="en-US" sz="1200" kern="1200" dirty="0">
+                        <a:solidFill>
+                          <a:schemeClr val="dk1"/>
+                        </a:solidFill>
+                        <a:latin typeface="+mn-lt"/>
+                        <a:ea typeface="+mn-ea"/>
+                        <a:cs typeface="+mn-cs"/>
+                      </a:endParaRPr>
+                    </a:p>
+                  </a:txBody>
+                  <a:tcPr anchor="ctr">
+                    <a:lnL w="19050" cap="flat" cmpd="sng" algn="ctr">
+                      <a:solidFill>
+                        <a:schemeClr val="bg1"/>
+                      </a:solidFill>
+                      <a:prstDash val="solid"/>
+                      <a:round/>
+                      <a:headEnd type="none" w="med" len="med"/>
+                      <a:tailEnd type="none" w="med" len="med"/>
+                    </a:lnL>
+                    <a:lnR w="19050" cap="flat" cmpd="sng" algn="ctr">
+                      <a:solidFill>
+                        <a:schemeClr val="bg1"/>
+                      </a:solidFill>
+                      <a:prstDash val="solid"/>
+                      <a:round/>
+                      <a:headEnd type="none" w="med" len="med"/>
+                      <a:tailEnd type="none" w="med" len="med"/>
+                    </a:lnR>
+                    <a:lnT w="19050" cap="flat" cmpd="sng" algn="ctr">
+                      <a:solidFill>
+                        <a:schemeClr val="bg1"/>
+                      </a:solidFill>
+                      <a:prstDash val="solid"/>
+                      <a:round/>
+                      <a:headEnd type="none" w="med" len="med"/>
+                      <a:tailEnd type="none" w="med" len="med"/>
+                    </a:lnT>
+                    <a:lnB w="19050" cap="flat" cmpd="sng" algn="ctr">
+                      <a:solidFill>
+                        <a:schemeClr val="bg1"/>
+                      </a:solidFill>
+                      <a:prstDash val="solid"/>
+                      <a:round/>
+                      <a:headEnd type="none" w="med" len="med"/>
+                      <a:tailEnd type="none" w="med" len="med"/>
+                    </a:lnB>
+                    <a:lnTlToBr w="12700" cmpd="sng">
+                      <a:noFill/>
+                      <a:prstDash val="solid"/>
+                    </a:lnTlToBr>
+                    <a:lnBlToTr w="12700" cmpd="sng">
+                      <a:noFill/>
+                      <a:prstDash val="solid"/>
+                    </a:lnBlToTr>
+                    <a:solidFill>
+                      <a:schemeClr val="accent2">
+                        <a:lumMod val="20000"/>
+                        <a:lumOff val="80000"/>
+                      </a:schemeClr>
+                    </a:solidFill>
+                  </a:tcPr>
+                </a:tc>
+                <a:tc>
+                  <a:txBody>
+                    <a:bodyPr/>
+                    <a:lstStyle/>
+                    <a:p>
+                      <a:r>
+                        <a:rPr lang="zh-CN" altLang="en-US" sz="1200" kern="1200" dirty="0">
+                          <a:solidFill>
+                            <a:schemeClr val="dk1"/>
+                          </a:solidFill>
+                          <a:latin typeface="+mn-lt"/>
+                          <a:ea typeface="+mn-ea"/>
+                          <a:cs typeface="+mn-cs"/>
+                        </a:rPr>
+                        <a:t>所有通道阻抗测量值</a:t>
+                      </a:r>
+                    </a:p>
+                  </a:txBody>
+                  <a:tcPr anchor="ctr">
+                    <a:lnL w="19050" cap="flat" cmpd="sng" algn="ctr">
+                      <a:solidFill>
+                        <a:schemeClr val="bg1"/>
+                      </a:solidFill>
+                      <a:prstDash val="solid"/>
+                      <a:round/>
+                      <a:headEnd type="none" w="med" len="med"/>
+                      <a:tailEnd type="none" w="med" len="med"/>
+                    </a:lnL>
+                    <a:lnR w="19050" cap="flat" cmpd="sng" algn="ctr">
+                      <a:solidFill>
+                        <a:schemeClr val="bg1"/>
+                      </a:solidFill>
+                      <a:prstDash val="solid"/>
+                      <a:round/>
+                      <a:headEnd type="none" w="med" len="med"/>
+                      <a:tailEnd type="none" w="med" len="med"/>
+                    </a:lnR>
+                    <a:lnT w="19050" cap="flat" cmpd="sng" algn="ctr">
+                      <a:solidFill>
+                        <a:schemeClr val="bg1"/>
+                      </a:solidFill>
+                      <a:prstDash val="solid"/>
+                      <a:round/>
+                      <a:headEnd type="none" w="med" len="med"/>
+                      <a:tailEnd type="none" w="med" len="med"/>
+                    </a:lnT>
+                    <a:lnB w="19050" cap="flat" cmpd="sng" algn="ctr">
+                      <a:solidFill>
+                        <a:schemeClr val="bg1"/>
+                      </a:solidFill>
+                      <a:prstDash val="solid"/>
+                      <a:round/>
+                      <a:headEnd type="none" w="med" len="med"/>
+                      <a:tailEnd type="none" w="med" len="med"/>
+                    </a:lnB>
+                    <a:lnTlToBr w="12700" cmpd="sng">
+                      <a:noFill/>
+                      <a:prstDash val="solid"/>
+                    </a:lnTlToBr>
+                    <a:lnBlToTr w="12700" cmpd="sng">
+                      <a:noFill/>
+                      <a:prstDash val="solid"/>
+                    </a:lnBlToTr>
+                    <a:solidFill>
+                      <a:schemeClr val="bg2"/>
+                    </a:solidFill>
+                  </a:tcPr>
+                </a:tc>
+                <a:tc>
+                  <a:txBody>
+                    <a:bodyPr/>
+                    <a:lstStyle/>
+                    <a:p>
+                      <a:r>
+                        <a:rPr lang="zh-CN" altLang="en-US" sz="1200" kern="1200" dirty="0">
+                          <a:solidFill>
+                            <a:schemeClr val="dk1"/>
+                          </a:solidFill>
+                          <a:latin typeface="+mn-lt"/>
+                          <a:ea typeface="+mn-ea"/>
+                          <a:cs typeface="+mn-cs"/>
+                        </a:rPr>
+                        <a:t>读</a:t>
+                      </a:r>
+                    </a:p>
+                  </a:txBody>
+                  <a:tcPr anchor="ctr">
+                    <a:lnL w="19050" cap="flat" cmpd="sng" algn="ctr">
+                      <a:solidFill>
+                        <a:schemeClr val="bg1"/>
+                      </a:solidFill>
+                      <a:prstDash val="solid"/>
+                      <a:round/>
+                      <a:headEnd type="none" w="med" len="med"/>
+                      <a:tailEnd type="none" w="med" len="med"/>
+                    </a:lnL>
+                    <a:lnR w="19050" cap="flat" cmpd="sng" algn="ctr">
+                      <a:solidFill>
+                        <a:schemeClr val="bg1"/>
+                      </a:solidFill>
+                      <a:prstDash val="solid"/>
+                      <a:round/>
+                      <a:headEnd type="none" w="med" len="med"/>
+                      <a:tailEnd type="none" w="med" len="med"/>
+                    </a:lnR>
+                    <a:lnT w="19050" cap="flat" cmpd="sng" algn="ctr">
+                      <a:solidFill>
+                        <a:schemeClr val="bg1"/>
+                      </a:solidFill>
+                      <a:prstDash val="solid"/>
+                      <a:round/>
+                      <a:headEnd type="none" w="med" len="med"/>
+                      <a:tailEnd type="none" w="med" len="med"/>
+                    </a:lnT>
+                    <a:lnB w="19050" cap="flat" cmpd="sng" algn="ctr">
+                      <a:solidFill>
+                        <a:schemeClr val="bg1"/>
+                      </a:solidFill>
+                      <a:prstDash val="solid"/>
+                      <a:round/>
+                      <a:headEnd type="none" w="med" len="med"/>
+                      <a:tailEnd type="none" w="med" len="med"/>
+                    </a:lnB>
+                    <a:lnTlToBr w="12700" cmpd="sng">
+                      <a:noFill/>
+                      <a:prstDash val="solid"/>
+                    </a:lnTlToBr>
+                    <a:lnBlToTr w="12700" cmpd="sng">
+                      <a:noFill/>
+                      <a:prstDash val="solid"/>
+                    </a:lnBlToTr>
+                    <a:solidFill>
+                      <a:schemeClr val="bg2"/>
+                    </a:solidFill>
+                  </a:tcPr>
+                </a:tc>
+                <a:tc>
+                  <a:txBody>
+                    <a:bodyPr/>
+                    <a:lstStyle/>
+                    <a:p>
+                      <a:pPr marL="0" marR="0" lvl="0" indent="0" algn="ctr" defTabSz="685800" rtl="0" eaLnBrk="1" fontAlgn="auto" latinLnBrk="0" hangingPunct="1">
+                        <a:lnSpc>
+                          <a:spcPct val="100000"/>
+                        </a:lnSpc>
+                        <a:spcBef>
+                          <a:spcPts val="0"/>
+                        </a:spcBef>
+                        <a:spcAft>
+                          <a:spcPts val="0"/>
+                        </a:spcAft>
+                        <a:buClrTx/>
+                        <a:buSzTx/>
+                        <a:buFontTx/>
+                        <a:buNone/>
+                        <a:tabLst/>
+                        <a:defRPr/>
+                      </a:pPr>
+                      <a:endParaRPr lang="zh-CN" altLang="en-US" sz="1200" kern="1200" dirty="0">
+                        <a:solidFill>
+                          <a:schemeClr val="dk1"/>
+                        </a:solidFill>
+                        <a:latin typeface="+mn-lt"/>
+                        <a:ea typeface="+mn-ea"/>
+                        <a:cs typeface="+mn-cs"/>
+                      </a:endParaRPr>
+                    </a:p>
+                  </a:txBody>
+                  <a:tcPr anchor="ctr">
+                    <a:lnL w="19050" cap="flat" cmpd="sng" algn="ctr">
+                      <a:solidFill>
+                        <a:schemeClr val="bg1"/>
+                      </a:solidFill>
+                      <a:prstDash val="solid"/>
+                      <a:round/>
+                      <a:headEnd type="none" w="med" len="med"/>
+                      <a:tailEnd type="none" w="med" len="med"/>
+                    </a:lnL>
+                    <a:lnR w="19050" cap="flat" cmpd="sng" algn="ctr">
+                      <a:solidFill>
+                        <a:schemeClr val="bg1"/>
+                      </a:solidFill>
+                      <a:prstDash val="solid"/>
+                      <a:round/>
+                      <a:headEnd type="none" w="med" len="med"/>
+                      <a:tailEnd type="none" w="med" len="med"/>
+                    </a:lnR>
+                    <a:lnT w="19050" cap="flat" cmpd="sng" algn="ctr">
+                      <a:solidFill>
+                        <a:schemeClr val="bg1"/>
+                      </a:solidFill>
+                      <a:prstDash val="solid"/>
+                      <a:round/>
+                      <a:headEnd type="none" w="med" len="med"/>
+                      <a:tailEnd type="none" w="med" len="med"/>
+                    </a:lnT>
+                    <a:lnB w="19050" cap="flat" cmpd="sng" algn="ctr">
+                      <a:solidFill>
+                        <a:schemeClr val="bg1"/>
+                      </a:solidFill>
+                      <a:prstDash val="solid"/>
+                      <a:round/>
+                      <a:headEnd type="none" w="med" len="med"/>
+                      <a:tailEnd type="none" w="med" len="med"/>
+                    </a:lnB>
+                    <a:lnTlToBr w="12700" cmpd="sng">
+                      <a:noFill/>
+                      <a:prstDash val="solid"/>
+                    </a:lnTlToBr>
+                    <a:lnBlToTr w="12700" cmpd="sng">
+                      <a:noFill/>
+                      <a:prstDash val="solid"/>
+                    </a:lnBlToTr>
+                    <a:solidFill>
+                      <a:schemeClr val="bg2"/>
+                    </a:solidFill>
+                  </a:tcPr>
+                </a:tc>
+                <a:tc>
+                  <a:txBody>
+                    <a:bodyPr/>
+                    <a:lstStyle/>
+                    <a:p>
+                      <a:pPr algn="ctr" fontAlgn="ctr"/>
+                      <a:r>
+                        <a:rPr lang="en-US" altLang="zh-CN" sz="1200" kern="1200" dirty="0">
+                          <a:solidFill>
+                            <a:schemeClr val="dk1"/>
+                          </a:solidFill>
+                          <a:latin typeface="+mn-lt"/>
+                          <a:ea typeface="+mn-ea"/>
+                          <a:cs typeface="+mn-cs"/>
+                        </a:rPr>
+                        <a:t>Uint32 </a:t>
+                      </a:r>
+                      <a:r>
+                        <a:rPr lang="zh-CN" altLang="en-US" sz="1200" kern="1200" dirty="0">
+                          <a:solidFill>
+                            <a:schemeClr val="dk1"/>
+                          </a:solidFill>
+                          <a:latin typeface="+mn-lt"/>
+                          <a:ea typeface="+mn-ea"/>
+                          <a:cs typeface="+mn-cs"/>
+                        </a:rPr>
+                        <a:t>* 总通道数</a:t>
+                      </a:r>
+                      <a:endParaRPr lang="en-US" altLang="zh-CN" sz="1200" kern="1200" dirty="0">
                         <a:solidFill>
                           <a:schemeClr val="dk1"/>
                         </a:solidFill>
@@ -25377,7 +26194,7 @@
                 </a:tc>
                 <a:extLst>
                   <a:ext uri="{0D108BD9-81ED-4DB2-BD59-A6C34878D82A}">
-                    <a16:rowId xmlns:a16="http://schemas.microsoft.com/office/drawing/2014/main" val="3840090590"/>
+                    <a16:rowId xmlns:a16="http://schemas.microsoft.com/office/drawing/2014/main" val="2047072647"/>
                   </a:ext>
                 </a:extLst>
               </a:tr>

--- a/Info/MicroEEG以太网版通讯协议v1.4.pptx
+++ b/Info/MicroEEG以太网版通讯协议v1.4.pptx
@@ -398,7 +398,7 @@
           <a:p>
             <a:fld id="{78351125-25EA-457C-9E7F-8C514A1591BE}" type="datetimeFigureOut">
               <a:rPr lang="zh-CN" altLang="en-US" smtClean="0"/>
-              <a:t>2022/8/20</a:t>
+              <a:t>2022/10/10</a:t>
             </a:fld>
             <a:endParaRPr lang="zh-CN" altLang="en-US"/>
           </a:p>
@@ -1304,7 +1304,7 @@
           <a:p>
             <a:fld id="{69BB2B35-312D-43AF-985A-2584D97C06B1}" type="datetimeFigureOut">
               <a:rPr lang="zh-CN" altLang="en-US" smtClean="0"/>
-              <a:t>2022/8/20</a:t>
+              <a:t>2022/10/10</a:t>
             </a:fld>
             <a:endParaRPr lang="zh-CN" altLang="en-US"/>
           </a:p>
@@ -1474,7 +1474,7 @@
           <a:p>
             <a:fld id="{69BB2B35-312D-43AF-985A-2584D97C06B1}" type="datetimeFigureOut">
               <a:rPr lang="zh-CN" altLang="en-US" smtClean="0"/>
-              <a:t>2022/8/20</a:t>
+              <a:t>2022/10/10</a:t>
             </a:fld>
             <a:endParaRPr lang="zh-CN" altLang="en-US"/>
           </a:p>
@@ -1654,7 +1654,7 @@
           <a:p>
             <a:fld id="{69BB2B35-312D-43AF-985A-2584D97C06B1}" type="datetimeFigureOut">
               <a:rPr lang="zh-CN" altLang="en-US" smtClean="0"/>
-              <a:t>2022/8/20</a:t>
+              <a:t>2022/10/10</a:t>
             </a:fld>
             <a:endParaRPr lang="zh-CN" altLang="en-US"/>
           </a:p>
@@ -1824,7 +1824,7 @@
           <a:p>
             <a:fld id="{69BB2B35-312D-43AF-985A-2584D97C06B1}" type="datetimeFigureOut">
               <a:rPr lang="zh-CN" altLang="en-US" smtClean="0"/>
-              <a:t>2022/8/20</a:t>
+              <a:t>2022/10/10</a:t>
             </a:fld>
             <a:endParaRPr lang="zh-CN" altLang="en-US"/>
           </a:p>
@@ -2070,7 +2070,7 @@
           <a:p>
             <a:fld id="{69BB2B35-312D-43AF-985A-2584D97C06B1}" type="datetimeFigureOut">
               <a:rPr lang="zh-CN" altLang="en-US" smtClean="0"/>
-              <a:t>2022/8/20</a:t>
+              <a:t>2022/10/10</a:t>
             </a:fld>
             <a:endParaRPr lang="zh-CN" altLang="en-US"/>
           </a:p>
@@ -2302,7 +2302,7 @@
           <a:p>
             <a:fld id="{69BB2B35-312D-43AF-985A-2584D97C06B1}" type="datetimeFigureOut">
               <a:rPr lang="zh-CN" altLang="en-US" smtClean="0"/>
-              <a:t>2022/8/20</a:t>
+              <a:t>2022/10/10</a:t>
             </a:fld>
             <a:endParaRPr lang="zh-CN" altLang="en-US"/>
           </a:p>
@@ -2669,7 +2669,7 @@
           <a:p>
             <a:fld id="{69BB2B35-312D-43AF-985A-2584D97C06B1}" type="datetimeFigureOut">
               <a:rPr lang="zh-CN" altLang="en-US" smtClean="0"/>
-              <a:t>2022/8/20</a:t>
+              <a:t>2022/10/10</a:t>
             </a:fld>
             <a:endParaRPr lang="zh-CN" altLang="en-US"/>
           </a:p>
@@ -2787,7 +2787,7 @@
           <a:p>
             <a:fld id="{69BB2B35-312D-43AF-985A-2584D97C06B1}" type="datetimeFigureOut">
               <a:rPr lang="zh-CN" altLang="en-US" smtClean="0"/>
-              <a:t>2022/8/20</a:t>
+              <a:t>2022/10/10</a:t>
             </a:fld>
             <a:endParaRPr lang="zh-CN" altLang="en-US"/>
           </a:p>
@@ -2882,7 +2882,7 @@
           <a:p>
             <a:fld id="{69BB2B35-312D-43AF-985A-2584D97C06B1}" type="datetimeFigureOut">
               <a:rPr lang="zh-CN" altLang="en-US" smtClean="0"/>
-              <a:t>2022/8/20</a:t>
+              <a:t>2022/10/10</a:t>
             </a:fld>
             <a:endParaRPr lang="zh-CN" altLang="en-US"/>
           </a:p>
@@ -3159,7 +3159,7 @@
           <a:p>
             <a:fld id="{69BB2B35-312D-43AF-985A-2584D97C06B1}" type="datetimeFigureOut">
               <a:rPr lang="zh-CN" altLang="en-US" smtClean="0"/>
-              <a:t>2022/8/20</a:t>
+              <a:t>2022/10/10</a:t>
             </a:fld>
             <a:endParaRPr lang="zh-CN" altLang="en-US"/>
           </a:p>
@@ -3416,7 +3416,7 @@
           <a:p>
             <a:fld id="{69BB2B35-312D-43AF-985A-2584D97C06B1}" type="datetimeFigureOut">
               <a:rPr lang="zh-CN" altLang="en-US" smtClean="0"/>
-              <a:t>2022/8/20</a:t>
+              <a:t>2022/10/10</a:t>
             </a:fld>
             <a:endParaRPr lang="zh-CN" altLang="en-US"/>
           </a:p>
@@ -3629,7 +3629,7 @@
           <a:p>
             <a:fld id="{69BB2B35-312D-43AF-985A-2584D97C06B1}" type="datetimeFigureOut">
               <a:rPr lang="zh-CN" altLang="en-US" smtClean="0"/>
-              <a:t>2022/8/20</a:t>
+              <a:t>2022/10/10</a:t>
             </a:fld>
             <a:endParaRPr lang="zh-CN" altLang="en-US"/>
           </a:p>
@@ -4688,14 +4688,14 @@
           <p:nvPr>
             <p:extLst>
               <p:ext uri="{D42A27DB-BD31-4B8C-83A1-F6EECF244321}">
-                <p14:modId xmlns:p14="http://schemas.microsoft.com/office/powerpoint/2010/main" val="892806955"/>
+                <p14:modId xmlns:p14="http://schemas.microsoft.com/office/powerpoint/2010/main" val="3216421089"/>
               </p:ext>
             </p:extLst>
           </p:nvPr>
         </p:nvGraphicFramePr>
         <p:xfrm>
-          <a:off x="418907" y="2866747"/>
-          <a:ext cx="3279026" cy="1358603"/>
+          <a:off x="510347" y="2859508"/>
+          <a:ext cx="1359106" cy="1358603"/>
         </p:xfrm>
         <a:graphic>
           <a:graphicData uri="http://schemas.openxmlformats.org/drawingml/2006/table">
@@ -4704,13 +4704,6 @@
                 <a:tableStyleId>{5C22544A-7EE6-4342-B048-85BDC9FD1C3A}</a:tableStyleId>
               </a:tblPr>
               <a:tblGrid>
-                <a:gridCol w="1025658">
-                  <a:extLst>
-                    <a:ext uri="{9D8B030D-6E8A-4147-A177-3AD203B41FA5}">
-                      <a16:colId xmlns:a16="http://schemas.microsoft.com/office/drawing/2014/main" val="991327414"/>
-                    </a:ext>
-                  </a:extLst>
-                </a:gridCol>
                 <a:gridCol w="1359106">
                   <a:extLst>
                     <a:ext uri="{9D8B030D-6E8A-4147-A177-3AD203B41FA5}">
@@ -4718,69 +4711,8 @@
                     </a:ext>
                   </a:extLst>
                 </a:gridCol>
-                <a:gridCol w="894262">
-                  <a:extLst>
-                    <a:ext uri="{9D8B030D-6E8A-4147-A177-3AD203B41FA5}">
-                      <a16:colId xmlns:a16="http://schemas.microsoft.com/office/drawing/2014/main" val="3455966039"/>
-                    </a:ext>
-                  </a:extLst>
-                </a:gridCol>
               </a:tblGrid>
               <a:tr h="295420">
-                <a:tc>
-                  <a:txBody>
-                    <a:bodyPr/>
-                    <a:lstStyle/>
-                    <a:p>
-                      <a:pPr algn="ctr"/>
-                      <a:r>
-                        <a:rPr lang="zh-CN" altLang="en-US" dirty="0"/>
-                        <a:t>帧头</a:t>
-                      </a:r>
-                    </a:p>
-                  </a:txBody>
-                  <a:tcPr>
-                    <a:lnL w="19050" cap="flat" cmpd="sng" algn="ctr">
-                      <a:solidFill>
-                        <a:srgbClr val="FFFFFF"/>
-                      </a:solidFill>
-                      <a:prstDash val="solid"/>
-                      <a:round/>
-                      <a:headEnd type="none" w="med" len="med"/>
-                      <a:tailEnd type="none" w="med" len="med"/>
-                    </a:lnL>
-                    <a:lnR w="19050" cap="flat" cmpd="sng" algn="ctr">
-                      <a:solidFill>
-                        <a:srgbClr val="FFFFFF"/>
-                      </a:solidFill>
-                      <a:prstDash val="solid"/>
-                      <a:round/>
-                      <a:headEnd type="none" w="med" len="med"/>
-                      <a:tailEnd type="none" w="med" len="med"/>
-                    </a:lnR>
-                    <a:lnT w="19050" cap="flat" cmpd="sng" algn="ctr">
-                      <a:solidFill>
-                        <a:srgbClr val="FFFFFF"/>
-                      </a:solidFill>
-                      <a:prstDash val="solid"/>
-                      <a:round/>
-                      <a:headEnd type="none" w="med" len="med"/>
-                      <a:tailEnd type="none" w="med" len="med"/>
-                    </a:lnT>
-                    <a:lnB w="19050" cap="flat" cmpd="sng" algn="ctr">
-                      <a:solidFill>
-                        <a:srgbClr val="FFFFFF"/>
-                      </a:solidFill>
-                      <a:prstDash val="solid"/>
-                      <a:round/>
-                      <a:headEnd type="none" w="med" len="med"/>
-                      <a:tailEnd type="none" w="med" len="med"/>
-                    </a:lnB>
-                    <a:solidFill>
-                      <a:srgbClr val="FCD568"/>
-                    </a:solidFill>
-                  </a:tcPr>
-                </a:tc>
                 <a:tc>
                   <a:txBody>
                     <a:bodyPr/>
@@ -4838,60 +4770,6 @@
                     </a:solidFill>
                   </a:tcPr>
                 </a:tc>
-                <a:tc>
-                  <a:txBody>
-                    <a:bodyPr/>
-                    <a:lstStyle/>
-                    <a:p>
-                      <a:pPr algn="ctr"/>
-                      <a:r>
-                        <a:rPr lang="zh-CN" altLang="en-US" dirty="0"/>
-                        <a:t>帧尾</a:t>
-                      </a:r>
-                    </a:p>
-                  </a:txBody>
-                  <a:tcPr>
-                    <a:lnL w="19050" cap="flat" cmpd="sng" algn="ctr">
-                      <a:solidFill>
-                        <a:srgbClr val="FFFFFF"/>
-                      </a:solidFill>
-                      <a:prstDash val="solid"/>
-                      <a:round/>
-                      <a:headEnd type="none" w="med" len="med"/>
-                      <a:tailEnd type="none" w="med" len="med"/>
-                    </a:lnL>
-                    <a:lnR w="19050" cap="flat" cmpd="sng" algn="ctr">
-                      <a:solidFill>
-                        <a:srgbClr val="FFFFFF"/>
-                      </a:solidFill>
-                      <a:prstDash val="solid"/>
-                      <a:round/>
-                      <a:headEnd type="none" w="med" len="med"/>
-                      <a:tailEnd type="none" w="med" len="med"/>
-                    </a:lnR>
-                    <a:lnT w="19050" cap="flat" cmpd="sng" algn="ctr">
-                      <a:solidFill>
-                        <a:srgbClr val="FFFFFF"/>
-                      </a:solidFill>
-                      <a:prstDash val="solid"/>
-                      <a:round/>
-                      <a:headEnd type="none" w="med" len="med"/>
-                      <a:tailEnd type="none" w="med" len="med"/>
-                    </a:lnT>
-                    <a:lnB w="19050" cap="flat" cmpd="sng" algn="ctr">
-                      <a:solidFill>
-                        <a:srgbClr val="FFFFFF"/>
-                      </a:solidFill>
-                      <a:prstDash val="solid"/>
-                      <a:round/>
-                      <a:headEnd type="none" w="med" len="med"/>
-                      <a:tailEnd type="none" w="med" len="med"/>
-                    </a:lnB>
-                    <a:solidFill>
-                      <a:srgbClr val="A86ED4"/>
-                    </a:solidFill>
-                  </a:tcPr>
-                </a:tc>
                 <a:extLst>
                   <a:ext uri="{0D108BD9-81ED-4DB2-BD59-A6C34878D82A}">
                     <a16:rowId xmlns:a16="http://schemas.microsoft.com/office/drawing/2014/main" val="1595980083"/>
@@ -4899,72 +4777,6 @@
                 </a:extLst>
               </a:tr>
               <a:tr h="801221">
-                <a:tc>
-                  <a:txBody>
-                    <a:bodyPr/>
-                    <a:lstStyle/>
-                    <a:p>
-                      <a:pPr algn="ctr"/>
-                      <a:r>
-                        <a:rPr lang="zh-CN" altLang="en-US" sz="1000" kern="1200" dirty="0">
-                          <a:solidFill>
-                            <a:schemeClr val="bg2">
-                              <a:lumMod val="25000"/>
-                            </a:schemeClr>
-                          </a:solidFill>
-                          <a:latin typeface="+mn-lt"/>
-                          <a:ea typeface="+mn-ea"/>
-                          <a:cs typeface="+mn-cs"/>
-                        </a:rPr>
-                        <a:t>待定</a:t>
-                      </a:r>
-                    </a:p>
-                  </a:txBody>
-                  <a:tcPr anchor="ctr">
-                    <a:lnL w="19050" cap="flat" cmpd="sng" algn="ctr">
-                      <a:solidFill>
-                        <a:srgbClr val="FFFFFF"/>
-                      </a:solidFill>
-                      <a:prstDash val="solid"/>
-                      <a:round/>
-                      <a:headEnd type="none" w="med" len="med"/>
-                      <a:tailEnd type="none" w="med" len="med"/>
-                    </a:lnL>
-                    <a:lnR w="19050" cap="flat" cmpd="sng" algn="ctr">
-                      <a:solidFill>
-                        <a:srgbClr val="FFFFFF"/>
-                      </a:solidFill>
-                      <a:prstDash val="solid"/>
-                      <a:round/>
-                      <a:headEnd type="none" w="med" len="med"/>
-                      <a:tailEnd type="none" w="med" len="med"/>
-                    </a:lnR>
-                    <a:lnT w="19050" cap="flat" cmpd="sng" algn="ctr">
-                      <a:solidFill>
-                        <a:srgbClr val="FFFFFF"/>
-                      </a:solidFill>
-                      <a:prstDash val="solid"/>
-                      <a:round/>
-                      <a:headEnd type="none" w="med" len="med"/>
-                      <a:tailEnd type="none" w="med" len="med"/>
-                    </a:lnT>
-                    <a:lnB w="19050" cap="flat" cmpd="sng" algn="ctr">
-                      <a:solidFill>
-                        <a:srgbClr val="FFFFFF"/>
-                      </a:solidFill>
-                      <a:prstDash val="solid"/>
-                      <a:round/>
-                      <a:headEnd type="none" w="med" len="med"/>
-                      <a:tailEnd type="none" w="med" len="med"/>
-                    </a:lnB>
-                    <a:solidFill>
-                      <a:schemeClr val="accent4">
-                        <a:lumMod val="20000"/>
-                        <a:lumOff val="80000"/>
-                      </a:schemeClr>
-                    </a:solidFill>
-                  </a:tcPr>
-                </a:tc>
                 <a:tc>
                   <a:txBody>
                     <a:bodyPr/>
@@ -5156,85 +4968,6 @@
                     </a:solidFill>
                   </a:tcPr>
                 </a:tc>
-                <a:tc>
-                  <a:txBody>
-                    <a:bodyPr/>
-                    <a:lstStyle/>
-                    <a:p>
-                      <a:pPr marL="0" marR="0" lvl="0" indent="0" algn="ctr" defTabSz="685800" rtl="0" eaLnBrk="1" fontAlgn="auto" latinLnBrk="0" hangingPunct="1">
-                        <a:lnSpc>
-                          <a:spcPct val="100000"/>
-                        </a:lnSpc>
-                        <a:spcBef>
-                          <a:spcPts val="0"/>
-                        </a:spcBef>
-                        <a:spcAft>
-                          <a:spcPts val="0"/>
-                        </a:spcAft>
-                        <a:buClrTx/>
-                        <a:buSzTx/>
-                        <a:buFontTx/>
-                        <a:buNone/>
-                        <a:tabLst/>
-                        <a:defRPr/>
-                      </a:pPr>
-                      <a:r>
-                        <a:rPr lang="zh-CN" altLang="en-US" sz="1000" kern="1200" dirty="0">
-                          <a:solidFill>
-                            <a:schemeClr val="bg2">
-                              <a:lumMod val="25000"/>
-                            </a:schemeClr>
-                          </a:solidFill>
-                          <a:latin typeface="+mn-lt"/>
-                          <a:ea typeface="+mn-ea"/>
-                          <a:cs typeface="+mn-cs"/>
-                        </a:rPr>
-                        <a:t>待定</a:t>
-                      </a:r>
-                    </a:p>
-                  </a:txBody>
-                  <a:tcPr anchor="ctr">
-                    <a:lnL w="19050" cap="flat" cmpd="sng" algn="ctr">
-                      <a:solidFill>
-                        <a:srgbClr val="FFFFFF"/>
-                      </a:solidFill>
-                      <a:prstDash val="solid"/>
-                      <a:round/>
-                      <a:headEnd type="none" w="med" len="med"/>
-                      <a:tailEnd type="none" w="med" len="med"/>
-                    </a:lnL>
-                    <a:lnR w="19050" cap="flat" cmpd="sng" algn="ctr">
-                      <a:solidFill>
-                        <a:srgbClr val="FFFFFF"/>
-                      </a:solidFill>
-                      <a:prstDash val="solid"/>
-                      <a:round/>
-                      <a:headEnd type="none" w="med" len="med"/>
-                      <a:tailEnd type="none" w="med" len="med"/>
-                    </a:lnR>
-                    <a:lnT w="19050" cap="flat" cmpd="sng" algn="ctr">
-                      <a:solidFill>
-                        <a:srgbClr val="FFFFFF"/>
-                      </a:solidFill>
-                      <a:prstDash val="solid"/>
-                      <a:round/>
-                      <a:headEnd type="none" w="med" len="med"/>
-                      <a:tailEnd type="none" w="med" len="med"/>
-                    </a:lnT>
-                    <a:lnB w="19050" cap="flat" cmpd="sng" algn="ctr">
-                      <a:solidFill>
-                        <a:srgbClr val="FFFFFF"/>
-                      </a:solidFill>
-                      <a:prstDash val="solid"/>
-                      <a:round/>
-                      <a:headEnd type="none" w="med" len="med"/>
-                      <a:tailEnd type="none" w="med" len="med"/>
-                    </a:lnB>
-                    <a:solidFill>
-                      <a:srgbClr val="E8D8F4"/>
-                    </a:solidFill>
-                  </a:tcPr>
-                </a:tc>
                 <a:extLst>
                   <a:ext uri="{0D108BD9-81ED-4DB2-BD59-A6C34878D82A}">
                     <a16:rowId xmlns:a16="http://schemas.microsoft.com/office/drawing/2014/main" val="2937905530"/>
@@ -5242,82 +4975,6 @@
                 </a:extLst>
               </a:tr>
               <a:tr h="260202">
-                <a:tc>
-                  <a:txBody>
-                    <a:bodyPr/>
-                    <a:lstStyle/>
-                    <a:p>
-                      <a:pPr algn="ctr"/>
-                      <a:r>
-                        <a:rPr lang="en-US" altLang="zh-CN" sz="1000" kern="1200" dirty="0">
-                          <a:solidFill>
-                            <a:schemeClr val="bg2">
-                              <a:lumMod val="25000"/>
-                            </a:schemeClr>
-                          </a:solidFill>
-                          <a:latin typeface="+mn-lt"/>
-                          <a:ea typeface="+mn-ea"/>
-                          <a:cs typeface="+mn-cs"/>
-                        </a:rPr>
-                        <a:t>uint8</a:t>
-                      </a:r>
-                      <a:endParaRPr lang="zh-CN" altLang="en-US" sz="1000" kern="1200" dirty="0">
-                        <a:solidFill>
-                          <a:schemeClr val="bg2">
-                            <a:lumMod val="25000"/>
-                          </a:schemeClr>
-                        </a:solidFill>
-                        <a:latin typeface="+mn-lt"/>
-                        <a:ea typeface="+mn-ea"/>
-                        <a:cs typeface="+mn-cs"/>
-                      </a:endParaRPr>
-                    </a:p>
-                  </a:txBody>
-                  <a:tcPr anchor="ctr">
-                    <a:lnL w="19050" cap="flat" cmpd="sng" algn="ctr">
-                      <a:solidFill>
-                        <a:srgbClr val="FFFFFF"/>
-                      </a:solidFill>
-                      <a:prstDash val="solid"/>
-                      <a:round/>
-                      <a:headEnd type="none" w="med" len="med"/>
-                      <a:tailEnd type="none" w="med" len="med"/>
-                    </a:lnL>
-                    <a:lnR w="19050" cap="flat" cmpd="sng" algn="ctr">
-                      <a:solidFill>
-                        <a:srgbClr val="FFFFFF"/>
-                      </a:solidFill>
-                      <a:prstDash val="solid"/>
-                      <a:round/>
-                      <a:headEnd type="none" w="med" len="med"/>
-                      <a:tailEnd type="none" w="med" len="med"/>
-                    </a:lnR>
-                    <a:lnT w="19050" cap="flat" cmpd="sng" algn="ctr">
-                      <a:solidFill>
-                        <a:srgbClr val="FFFFFF"/>
-                      </a:solidFill>
-                      <a:prstDash val="solid"/>
-                      <a:round/>
-                      <a:headEnd type="none" w="med" len="med"/>
-                      <a:tailEnd type="none" w="med" len="med"/>
-                    </a:lnT>
-                    <a:lnB w="19050" cap="flat" cmpd="sng" algn="ctr">
-                      <a:solidFill>
-                        <a:srgbClr val="FFFFFF"/>
-                      </a:solidFill>
-                      <a:prstDash val="solid"/>
-                      <a:round/>
-                      <a:headEnd type="none" w="med" len="med"/>
-                      <a:tailEnd type="none" w="med" len="med"/>
-                    </a:lnB>
-                    <a:solidFill>
-                      <a:schemeClr val="accent4">
-                        <a:lumMod val="20000"/>
-                        <a:lumOff val="80000"/>
-                      </a:schemeClr>
-                    </a:solidFill>
-                  </a:tcPr>
-                </a:tc>
                 <a:tc>
                   <a:txBody>
                     <a:bodyPr/>
@@ -5404,95 +5061,6 @@
                     </a:solidFill>
                   </a:tcPr>
                 </a:tc>
-                <a:tc>
-                  <a:txBody>
-                    <a:bodyPr/>
-                    <a:lstStyle/>
-                    <a:p>
-                      <a:pPr marL="0" marR="0" lvl="0" indent="0" algn="ctr" defTabSz="685800" rtl="0" eaLnBrk="1" fontAlgn="auto" latinLnBrk="0" hangingPunct="1">
-                        <a:lnSpc>
-                          <a:spcPct val="100000"/>
-                        </a:lnSpc>
-                        <a:spcBef>
-                          <a:spcPts val="0"/>
-                        </a:spcBef>
-                        <a:spcAft>
-                          <a:spcPts val="0"/>
-                        </a:spcAft>
-                        <a:buClrTx/>
-                        <a:buSzTx/>
-                        <a:buFontTx/>
-                        <a:buNone/>
-                        <a:tabLst/>
-                        <a:defRPr/>
-                      </a:pPr>
-                      <a:r>
-                        <a:rPr lang="en-US" altLang="zh-CN" sz="1000" kern="1200" dirty="0">
-                          <a:solidFill>
-                            <a:schemeClr val="bg2">
-                              <a:lumMod val="25000"/>
-                            </a:schemeClr>
-                          </a:solidFill>
-                          <a:latin typeface="+mn-lt"/>
-                          <a:ea typeface="+mn-ea"/>
-                          <a:cs typeface="+mn-cs"/>
-                        </a:rPr>
-                        <a:t>uint8</a:t>
-                      </a:r>
-                      <a:endParaRPr lang="zh-CN" altLang="en-US" sz="1000" kern="1200" dirty="0">
-                        <a:solidFill>
-                          <a:schemeClr val="bg2">
-                            <a:lumMod val="25000"/>
-                          </a:schemeClr>
-                        </a:solidFill>
-                        <a:latin typeface="+mn-lt"/>
-                        <a:ea typeface="+mn-ea"/>
-                        <a:cs typeface="+mn-cs"/>
-                      </a:endParaRPr>
-                    </a:p>
-                  </a:txBody>
-                  <a:tcPr anchor="ctr">
-                    <a:lnL w="19050" cap="flat" cmpd="sng" algn="ctr">
-                      <a:solidFill>
-                        <a:srgbClr val="FFFFFF"/>
-                      </a:solidFill>
-                      <a:prstDash val="solid"/>
-                      <a:round/>
-                      <a:headEnd type="none" w="med" len="med"/>
-                      <a:tailEnd type="none" w="med" len="med"/>
-                    </a:lnL>
-                    <a:lnR w="19050" cap="flat" cmpd="sng" algn="ctr">
-                      <a:solidFill>
-                        <a:srgbClr val="FFFFFF"/>
-                      </a:solidFill>
-                      <a:prstDash val="solid"/>
-                      <a:round/>
-                      <a:headEnd type="none" w="med" len="med"/>
-                      <a:tailEnd type="none" w="med" len="med"/>
-                    </a:lnR>
-                    <a:lnT w="19050" cap="flat" cmpd="sng" algn="ctr">
-                      <a:solidFill>
-                        <a:srgbClr val="FFFFFF"/>
-                      </a:solidFill>
-                      <a:prstDash val="solid"/>
-                      <a:round/>
-                      <a:headEnd type="none" w="med" len="med"/>
-                      <a:tailEnd type="none" w="med" len="med"/>
-                    </a:lnT>
-                    <a:lnB w="19050" cap="flat" cmpd="sng" algn="ctr">
-                      <a:solidFill>
-                        <a:srgbClr val="FFFFFF"/>
-                      </a:solidFill>
-                      <a:prstDash val="solid"/>
-                      <a:round/>
-                      <a:headEnd type="none" w="med" len="med"/>
-                      <a:tailEnd type="none" w="med" len="med"/>
-                    </a:lnB>
-                    <a:solidFill>
-                      <a:srgbClr val="E8D8F4"/>
-                    </a:solidFill>
-                  </a:tcPr>
-                </a:tc>
                 <a:extLst>
                   <a:ext uri="{0D108BD9-81ED-4DB2-BD59-A6C34878D82A}">
                     <a16:rowId xmlns:a16="http://schemas.microsoft.com/office/drawing/2014/main" val="2674984923"/>
@@ -5517,8 +5085,8 @@
         </p:nvSpPr>
         <p:spPr>
           <a:xfrm>
-            <a:off x="418907" y="2458734"/>
-            <a:ext cx="2838450" cy="337015"/>
+            <a:off x="418906" y="2458734"/>
+            <a:ext cx="3391093" cy="337015"/>
           </a:xfrm>
           <a:prstGeom prst="rect">
             <a:avLst/>
@@ -5559,12 +5127,58 @@
             <a:r>
               <a:rPr lang="zh-CN" altLang="en-US" sz="1400" dirty="0">
                 <a:solidFill>
+                  <a:schemeClr val="accent2">
+                    <a:lumMod val="75000"/>
+                  </a:schemeClr>
+                </a:solidFill>
+                <a:latin typeface="微软雅黑" panose="020B0503020204020204" pitchFamily="34" charset="-122"/>
+                <a:ea typeface="微软雅黑" panose="020B0503020204020204" pitchFamily="34" charset="-122"/>
+              </a:rPr>
+              <a:t>设备</a:t>
+            </a:r>
+            <a:r>
+              <a:rPr lang="zh-CN" altLang="en-US" sz="1400" dirty="0">
+                <a:solidFill>
                   <a:srgbClr val="00498E"/>
                 </a:solidFill>
                 <a:latin typeface="微软雅黑" panose="020B0503020204020204" pitchFamily="34" charset="-122"/>
                 <a:ea typeface="微软雅黑" panose="020B0503020204020204" pitchFamily="34" charset="-122"/>
               </a:rPr>
-              <a:t>设备 标签帧协议 </a:t>
+              <a:t> 标签帧协议 </a:t>
+            </a:r>
+            <a:r>
+              <a:rPr lang="en-US" altLang="zh-CN" sz="1400" dirty="0">
+                <a:solidFill>
+                  <a:srgbClr val="00498E"/>
+                </a:solidFill>
+                <a:latin typeface="微软雅黑" panose="020B0503020204020204" pitchFamily="34" charset="-122"/>
+                <a:ea typeface="微软雅黑" panose="020B0503020204020204" pitchFamily="34" charset="-122"/>
+              </a:rPr>
+              <a:t>7003-&gt;</a:t>
+            </a:r>
+            <a:r>
+              <a:rPr lang="en-US" altLang="zh-CN" sz="1400" dirty="0">
+                <a:solidFill>
+                  <a:schemeClr val="accent2">
+                    <a:lumMod val="75000"/>
+                  </a:schemeClr>
+                </a:solidFill>
+                <a:latin typeface="微软雅黑" panose="020B0503020204020204" pitchFamily="34" charset="-122"/>
+                <a:ea typeface="微软雅黑" panose="020B0503020204020204" pitchFamily="34" charset="-122"/>
+              </a:rPr>
+              <a:t>7003</a:t>
+            </a:r>
+            <a:r>
+              <a:rPr lang="zh-CN" altLang="en-US" sz="1400" dirty="0">
+                <a:solidFill>
+                  <a:schemeClr val="accent2">
+                    <a:lumMod val="75000"/>
+                  </a:schemeClr>
+                </a:solidFill>
+                <a:latin typeface="微软雅黑" panose="020B0503020204020204" pitchFamily="34" charset="-122"/>
+                <a:ea typeface="微软雅黑" panose="020B0503020204020204" pitchFamily="34" charset="-122"/>
+              </a:rPr>
+              <a:t> </a:t>
             </a:r>
           </a:p>
         </p:txBody>
@@ -5584,7 +5198,7 @@
         <p:spPr>
           <a:xfrm>
             <a:off x="3767204" y="2458734"/>
-            <a:ext cx="2838450" cy="337015"/>
+            <a:ext cx="4204488" cy="337015"/>
           </a:xfrm>
           <a:prstGeom prst="rect">
             <a:avLst/>
@@ -5605,7 +5219,9 @@
             <a:r>
               <a:rPr lang="zh-CN" altLang="en-US" sz="1400" dirty="0">
                 <a:solidFill>
-                  <a:srgbClr val="00498E"/>
+                  <a:schemeClr val="accent2">
+                    <a:lumMod val="75000"/>
+                  </a:schemeClr>
                 </a:solidFill>
                 <a:latin typeface="微软雅黑" panose="020B0503020204020204" pitchFamily="34" charset="-122"/>
                 <a:ea typeface="微软雅黑" panose="020B0503020204020204" pitchFamily="34" charset="-122"/>
@@ -5632,6 +5248,38 @@
               </a:rPr>
               <a:t>上位机 标签帧回复协议 </a:t>
             </a:r>
+            <a:r>
+              <a:rPr lang="en-US" altLang="zh-CN" sz="1400" dirty="0">
+                <a:solidFill>
+                  <a:schemeClr val="accent2">
+                    <a:lumMod val="75000"/>
+                  </a:schemeClr>
+                </a:solidFill>
+                <a:latin typeface="微软雅黑" panose="020B0503020204020204" pitchFamily="34" charset="-122"/>
+                <a:ea typeface="微软雅黑" panose="020B0503020204020204" pitchFamily="34" charset="-122"/>
+              </a:rPr>
+              <a:t>7003</a:t>
+            </a:r>
+            <a:r>
+              <a:rPr lang="en-US" altLang="zh-CN" sz="1400" dirty="0">
+                <a:solidFill>
+                  <a:srgbClr val="00498E"/>
+                </a:solidFill>
+                <a:latin typeface="微软雅黑" panose="020B0503020204020204" pitchFamily="34" charset="-122"/>
+                <a:ea typeface="微软雅黑" panose="020B0503020204020204" pitchFamily="34" charset="-122"/>
+              </a:rPr>
+              <a:t>-&gt;7004</a:t>
+            </a:r>
+            <a:r>
+              <a:rPr lang="zh-CN" altLang="en-US" sz="1400" dirty="0">
+                <a:solidFill>
+                  <a:srgbClr val="00498E"/>
+                </a:solidFill>
+                <a:latin typeface="微软雅黑" panose="020B0503020204020204" pitchFamily="34" charset="-122"/>
+                <a:ea typeface="微软雅黑" panose="020B0503020204020204" pitchFamily="34" charset="-122"/>
+              </a:rPr>
+              <a:t> </a:t>
+            </a:r>
           </a:p>
         </p:txBody>
       </p:sp>
@@ -5650,14 +5298,14 @@
           <p:nvPr>
             <p:extLst>
               <p:ext uri="{D42A27DB-BD31-4B8C-83A1-F6EECF244321}">
-                <p14:modId xmlns:p14="http://schemas.microsoft.com/office/powerpoint/2010/main" val="1707860622"/>
+                <p14:modId xmlns:p14="http://schemas.microsoft.com/office/powerpoint/2010/main" val="2482534408"/>
               </p:ext>
             </p:extLst>
           </p:nvPr>
         </p:nvGraphicFramePr>
         <p:xfrm>
-          <a:off x="3880550" y="2850510"/>
-          <a:ext cx="5114925" cy="1373080"/>
+          <a:off x="3810000" y="2859508"/>
+          <a:ext cx="3276600" cy="1373080"/>
         </p:xfrm>
         <a:graphic>
           <a:graphicData uri="http://schemas.openxmlformats.org/drawingml/2006/table">
@@ -5666,13 +5314,6 @@
                 <a:tableStyleId>{5C22544A-7EE6-4342-B048-85BDC9FD1C3A}</a:tableStyleId>
               </a:tblPr>
               <a:tblGrid>
-                <a:gridCol w="926400">
-                  <a:extLst>
-                    <a:ext uri="{9D8B030D-6E8A-4147-A177-3AD203B41FA5}">
-                      <a16:colId xmlns:a16="http://schemas.microsoft.com/office/drawing/2014/main" val="991327414"/>
-                    </a:ext>
-                  </a:extLst>
-                </a:gridCol>
                 <a:gridCol w="1085850">
                   <a:extLst>
                     <a:ext uri="{9D8B030D-6E8A-4147-A177-3AD203B41FA5}">
@@ -5694,76 +5335,8 @@
                     </a:ext>
                   </a:extLst>
                 </a:gridCol>
-                <a:gridCol w="911925">
-                  <a:extLst>
-                    <a:ext uri="{9D8B030D-6E8A-4147-A177-3AD203B41FA5}">
-                      <a16:colId xmlns:a16="http://schemas.microsoft.com/office/drawing/2014/main" val="3455966039"/>
-                    </a:ext>
-                  </a:extLst>
-                </a:gridCol>
               </a:tblGrid>
               <a:tr h="268975">
-                <a:tc>
-                  <a:txBody>
-                    <a:bodyPr/>
-                    <a:lstStyle/>
-                    <a:p>
-                      <a:pPr marL="0" algn="ctr" defTabSz="685800" rtl="0" eaLnBrk="1" latinLnBrk="0" hangingPunct="1"/>
-                      <a:r>
-                        <a:rPr lang="zh-CN" altLang="en-US" sz="1350" b="1" kern="1200" dirty="0">
-                          <a:solidFill>
-                            <a:schemeClr val="lt1"/>
-                          </a:solidFill>
-                          <a:latin typeface="+mn-lt"/>
-                          <a:ea typeface="+mn-ea"/>
-                          <a:cs typeface="+mn-cs"/>
-                        </a:rPr>
-                        <a:t>帧头</a:t>
-                      </a:r>
-                    </a:p>
-                  </a:txBody>
-                  <a:tcPr>
-                    <a:lnL w="19050" cap="flat" cmpd="sng" algn="ctr">
-                      <a:solidFill>
-                        <a:srgbClr val="FFFFFF"/>
-                      </a:solidFill>
-                      <a:prstDash val="solid"/>
-                      <a:round/>
-                      <a:headEnd type="none" w="med" len="med"/>
-                      <a:tailEnd type="none" w="med" len="med"/>
-                    </a:lnL>
-                    <a:lnR w="19050" cap="flat" cmpd="sng" algn="ctr">
-                      <a:solidFill>
-                        <a:srgbClr val="FFFFFF"/>
-                      </a:solidFill>
-                      <a:prstDash val="solid"/>
-                      <a:round/>
-                      <a:headEnd type="none" w="med" len="med"/>
-                      <a:tailEnd type="none" w="med" len="med"/>
-                    </a:lnR>
-                    <a:lnT w="19050" cap="flat" cmpd="sng" algn="ctr">
-                      <a:solidFill>
-                        <a:srgbClr val="FFFFFF"/>
-                      </a:solidFill>
-                      <a:prstDash val="solid"/>
-                      <a:round/>
-                      <a:headEnd type="none" w="med" len="med"/>
-                      <a:tailEnd type="none" w="med" len="med"/>
-                    </a:lnT>
-                    <a:lnB w="19050" cap="flat" cmpd="sng" algn="ctr">
-                      <a:solidFill>
-                        <a:srgbClr val="FFFFFF"/>
-                      </a:solidFill>
-                      <a:prstDash val="solid"/>
-                      <a:round/>
-                      <a:headEnd type="none" w="med" len="med"/>
-                      <a:tailEnd type="none" w="med" len="med"/>
-                    </a:lnB>
-                    <a:solidFill>
-                      <a:srgbClr val="FCD568"/>
-                    </a:solidFill>
-                  </a:tcPr>
-                </a:tc>
                 <a:tc>
                   <a:txBody>
                     <a:bodyPr/>
@@ -5946,68 +5519,6 @@
                     </a:solidFill>
                   </a:tcPr>
                 </a:tc>
-                <a:tc>
-                  <a:txBody>
-                    <a:bodyPr/>
-                    <a:lstStyle/>
-                    <a:p>
-                      <a:pPr algn="ctr"/>
-                      <a:r>
-                        <a:rPr lang="zh-CN" altLang="en-US" dirty="0"/>
-                        <a:t>帧尾</a:t>
-                      </a:r>
-                    </a:p>
-                  </a:txBody>
-                  <a:tcPr>
-                    <a:lnL w="19050" cap="flat" cmpd="sng" algn="ctr">
-                      <a:solidFill>
-                        <a:srgbClr val="FFFFFF"/>
-                      </a:solidFill>
-                      <a:prstDash val="solid"/>
-                      <a:round/>
-                      <a:headEnd type="none" w="med" len="med"/>
-                      <a:tailEnd type="none" w="med" len="med"/>
-                    </a:lnL>
-                    <a:lnR w="19050" cap="flat" cmpd="sng" algn="ctr">
-                      <a:solidFill>
-                        <a:srgbClr val="FFFFFF"/>
-                      </a:solidFill>
-                      <a:prstDash val="solid"/>
-                      <a:round/>
-                      <a:headEnd type="none" w="med" len="med"/>
-                      <a:tailEnd type="none" w="med" len="med"/>
-                    </a:lnR>
-                    <a:lnT w="19050" cap="flat" cmpd="sng" algn="ctr">
-                      <a:solidFill>
-                        <a:srgbClr val="FFFFFF"/>
-                      </a:solidFill>
-                      <a:prstDash val="solid"/>
-                      <a:round/>
-                      <a:headEnd type="none" w="med" len="med"/>
-                      <a:tailEnd type="none" w="med" len="med"/>
-                    </a:lnT>
-                    <a:lnB w="19050" cap="flat" cmpd="sng" algn="ctr">
-                      <a:solidFill>
-                        <a:srgbClr val="FFFFFF"/>
-                      </a:solidFill>
-                      <a:prstDash val="solid"/>
-                      <a:round/>
-                      <a:headEnd type="none" w="med" len="med"/>
-                      <a:tailEnd type="none" w="med" len="med"/>
-                    </a:lnB>
-                    <a:lnTlToBr w="12700" cmpd="sng">
-                      <a:noFill/>
-                      <a:prstDash val="solid"/>
-                    </a:lnTlToBr>
-                    <a:lnBlToTr w="12700" cmpd="sng">
-                      <a:noFill/>
-                      <a:prstDash val="solid"/>
-                    </a:lnBlToTr>
-                    <a:solidFill>
-                      <a:srgbClr val="A86ED4"/>
-                    </a:solidFill>
-                  </a:tcPr>
-                </a:tc>
                 <a:extLst>
                   <a:ext uri="{0D108BD9-81ED-4DB2-BD59-A6C34878D82A}">
                     <a16:rowId xmlns:a16="http://schemas.microsoft.com/office/drawing/2014/main" val="1595980083"/>
@@ -6015,72 +5526,6 @@
                 </a:extLst>
               </a:tr>
               <a:tr h="806925">
-                <a:tc>
-                  <a:txBody>
-                    <a:bodyPr/>
-                    <a:lstStyle/>
-                    <a:p>
-                      <a:pPr algn="ctr"/>
-                      <a:r>
-                        <a:rPr lang="zh-CN" altLang="en-US" sz="1000" kern="1200" dirty="0">
-                          <a:solidFill>
-                            <a:schemeClr val="bg2">
-                              <a:lumMod val="25000"/>
-                            </a:schemeClr>
-                          </a:solidFill>
-                          <a:latin typeface="+mn-lt"/>
-                          <a:ea typeface="+mn-ea"/>
-                          <a:cs typeface="+mn-cs"/>
-                        </a:rPr>
-                        <a:t>待定</a:t>
-                      </a:r>
-                    </a:p>
-                  </a:txBody>
-                  <a:tcPr anchor="ctr">
-                    <a:lnL w="19050" cap="flat" cmpd="sng" algn="ctr">
-                      <a:solidFill>
-                        <a:srgbClr val="FFFFFF"/>
-                      </a:solidFill>
-                      <a:prstDash val="solid"/>
-                      <a:round/>
-                      <a:headEnd type="none" w="med" len="med"/>
-                      <a:tailEnd type="none" w="med" len="med"/>
-                    </a:lnL>
-                    <a:lnR w="19050" cap="flat" cmpd="sng" algn="ctr">
-                      <a:solidFill>
-                        <a:srgbClr val="FFFFFF"/>
-                      </a:solidFill>
-                      <a:prstDash val="solid"/>
-                      <a:round/>
-                      <a:headEnd type="none" w="med" len="med"/>
-                      <a:tailEnd type="none" w="med" len="med"/>
-                    </a:lnR>
-                    <a:lnT w="19050" cap="flat" cmpd="sng" algn="ctr">
-                      <a:solidFill>
-                        <a:srgbClr val="FFFFFF"/>
-                      </a:solidFill>
-                      <a:prstDash val="solid"/>
-                      <a:round/>
-                      <a:headEnd type="none" w="med" len="med"/>
-                      <a:tailEnd type="none" w="med" len="med"/>
-                    </a:lnT>
-                    <a:lnB w="19050" cap="flat" cmpd="sng" algn="ctr">
-                      <a:solidFill>
-                        <a:srgbClr val="FFFFFF"/>
-                      </a:solidFill>
-                      <a:prstDash val="solid"/>
-                      <a:round/>
-                      <a:headEnd type="none" w="med" len="med"/>
-                      <a:tailEnd type="none" w="med" len="med"/>
-                    </a:lnB>
-                    <a:solidFill>
-                      <a:schemeClr val="accent4">
-                        <a:lumMod val="20000"/>
-                        <a:lumOff val="80000"/>
-                      </a:schemeClr>
-                    </a:solidFill>
-                  </a:tcPr>
-                </a:tc>
                 <a:tc>
                   <a:txBody>
                     <a:bodyPr/>
@@ -6510,85 +5955,6 @@
                     </a:solidFill>
                   </a:tcPr>
                 </a:tc>
-                <a:tc>
-                  <a:txBody>
-                    <a:bodyPr/>
-                    <a:lstStyle/>
-                    <a:p>
-                      <a:pPr marL="0" marR="0" lvl="0" indent="0" algn="ctr" defTabSz="685800" rtl="0" eaLnBrk="1" fontAlgn="auto" latinLnBrk="0" hangingPunct="1">
-                        <a:lnSpc>
-                          <a:spcPct val="100000"/>
-                        </a:lnSpc>
-                        <a:spcBef>
-                          <a:spcPts val="0"/>
-                        </a:spcBef>
-                        <a:spcAft>
-                          <a:spcPts val="0"/>
-                        </a:spcAft>
-                        <a:buClrTx/>
-                        <a:buSzTx/>
-                        <a:buFontTx/>
-                        <a:buNone/>
-                        <a:tabLst/>
-                        <a:defRPr/>
-                      </a:pPr>
-                      <a:r>
-                        <a:rPr lang="zh-CN" altLang="en-US" sz="1000" kern="1200" dirty="0">
-                          <a:solidFill>
-                            <a:schemeClr val="bg2">
-                              <a:lumMod val="25000"/>
-                            </a:schemeClr>
-                          </a:solidFill>
-                          <a:latin typeface="+mn-lt"/>
-                          <a:ea typeface="+mn-ea"/>
-                          <a:cs typeface="+mn-cs"/>
-                        </a:rPr>
-                        <a:t>待定</a:t>
-                      </a:r>
-                    </a:p>
-                  </a:txBody>
-                  <a:tcPr anchor="ctr">
-                    <a:lnL w="19050" cap="flat" cmpd="sng" algn="ctr">
-                      <a:solidFill>
-                        <a:srgbClr val="FFFFFF"/>
-                      </a:solidFill>
-                      <a:prstDash val="solid"/>
-                      <a:round/>
-                      <a:headEnd type="none" w="med" len="med"/>
-                      <a:tailEnd type="none" w="med" len="med"/>
-                    </a:lnL>
-                    <a:lnR w="19050" cap="flat" cmpd="sng" algn="ctr">
-                      <a:solidFill>
-                        <a:srgbClr val="FFFFFF"/>
-                      </a:solidFill>
-                      <a:prstDash val="solid"/>
-                      <a:round/>
-                      <a:headEnd type="none" w="med" len="med"/>
-                      <a:tailEnd type="none" w="med" len="med"/>
-                    </a:lnR>
-                    <a:lnT w="19050" cap="flat" cmpd="sng" algn="ctr">
-                      <a:solidFill>
-                        <a:srgbClr val="FFFFFF"/>
-                      </a:solidFill>
-                      <a:prstDash val="solid"/>
-                      <a:round/>
-                      <a:headEnd type="none" w="med" len="med"/>
-                      <a:tailEnd type="none" w="med" len="med"/>
-                    </a:lnT>
-                    <a:lnB w="19050" cap="flat" cmpd="sng" algn="ctr">
-                      <a:solidFill>
-                        <a:srgbClr val="FFFFFF"/>
-                      </a:solidFill>
-                      <a:prstDash val="solid"/>
-                      <a:round/>
-                      <a:headEnd type="none" w="med" len="med"/>
-                      <a:tailEnd type="none" w="med" len="med"/>
-                    </a:lnB>
-                    <a:solidFill>
-                      <a:srgbClr val="E8D8F4"/>
-                    </a:solidFill>
-                  </a:tcPr>
-                </a:tc>
                 <a:extLst>
                   <a:ext uri="{0D108BD9-81ED-4DB2-BD59-A6C34878D82A}">
                     <a16:rowId xmlns:a16="http://schemas.microsoft.com/office/drawing/2014/main" val="2937905530"/>
@@ -6596,82 +5962,6 @@
                 </a:extLst>
               </a:tr>
               <a:tr h="268975">
-                <a:tc>
-                  <a:txBody>
-                    <a:bodyPr/>
-                    <a:lstStyle/>
-                    <a:p>
-                      <a:pPr algn="ctr"/>
-                      <a:r>
-                        <a:rPr lang="en-US" altLang="zh-CN" sz="1000" kern="1200" dirty="0">
-                          <a:solidFill>
-                            <a:schemeClr val="bg2">
-                              <a:lumMod val="25000"/>
-                            </a:schemeClr>
-                          </a:solidFill>
-                          <a:latin typeface="+mn-lt"/>
-                          <a:ea typeface="+mn-ea"/>
-                          <a:cs typeface="+mn-cs"/>
-                        </a:rPr>
-                        <a:t>uint8</a:t>
-                      </a:r>
-                      <a:endParaRPr lang="zh-CN" altLang="en-US" sz="1000" kern="1200" dirty="0">
-                        <a:solidFill>
-                          <a:schemeClr val="bg2">
-                            <a:lumMod val="25000"/>
-                          </a:schemeClr>
-                        </a:solidFill>
-                        <a:latin typeface="+mn-lt"/>
-                        <a:ea typeface="+mn-ea"/>
-                        <a:cs typeface="+mn-cs"/>
-                      </a:endParaRPr>
-                    </a:p>
-                  </a:txBody>
-                  <a:tcPr anchor="ctr">
-                    <a:lnL w="19050" cap="flat" cmpd="sng" algn="ctr">
-                      <a:solidFill>
-                        <a:srgbClr val="FFFFFF"/>
-                      </a:solidFill>
-                      <a:prstDash val="solid"/>
-                      <a:round/>
-                      <a:headEnd type="none" w="med" len="med"/>
-                      <a:tailEnd type="none" w="med" len="med"/>
-                    </a:lnL>
-                    <a:lnR w="19050" cap="flat" cmpd="sng" algn="ctr">
-                      <a:solidFill>
-                        <a:srgbClr val="FFFFFF"/>
-                      </a:solidFill>
-                      <a:prstDash val="solid"/>
-                      <a:round/>
-                      <a:headEnd type="none" w="med" len="med"/>
-                      <a:tailEnd type="none" w="med" len="med"/>
-                    </a:lnR>
-                    <a:lnT w="19050" cap="flat" cmpd="sng" algn="ctr">
-                      <a:solidFill>
-                        <a:srgbClr val="FFFFFF"/>
-                      </a:solidFill>
-                      <a:prstDash val="solid"/>
-                      <a:round/>
-                      <a:headEnd type="none" w="med" len="med"/>
-                      <a:tailEnd type="none" w="med" len="med"/>
-                    </a:lnT>
-                    <a:lnB w="19050" cap="flat" cmpd="sng" algn="ctr">
-                      <a:solidFill>
-                        <a:srgbClr val="FFFFFF"/>
-                      </a:solidFill>
-                      <a:prstDash val="solid"/>
-                      <a:round/>
-                      <a:headEnd type="none" w="med" len="med"/>
-                      <a:tailEnd type="none" w="med" len="med"/>
-                    </a:lnB>
-                    <a:solidFill>
-                      <a:schemeClr val="accent4">
-                        <a:lumMod val="20000"/>
-                        <a:lumOff val="80000"/>
-                      </a:schemeClr>
-                    </a:solidFill>
-                  </a:tcPr>
-                </a:tc>
                 <a:tc>
                   <a:txBody>
                     <a:bodyPr/>
@@ -6936,95 +6226,6 @@
                     </a:lnBlToTr>
                     <a:solidFill>
                       <a:srgbClr val="E2F0D9"/>
-                    </a:solidFill>
-                  </a:tcPr>
-                </a:tc>
-                <a:tc>
-                  <a:txBody>
-                    <a:bodyPr/>
-                    <a:lstStyle/>
-                    <a:p>
-                      <a:pPr marL="0" marR="0" lvl="0" indent="0" algn="ctr" defTabSz="685800" rtl="0" eaLnBrk="1" fontAlgn="auto" latinLnBrk="0" hangingPunct="1">
-                        <a:lnSpc>
-                          <a:spcPct val="100000"/>
-                        </a:lnSpc>
-                        <a:spcBef>
-                          <a:spcPts val="0"/>
-                        </a:spcBef>
-                        <a:spcAft>
-                          <a:spcPts val="0"/>
-                        </a:spcAft>
-                        <a:buClrTx/>
-                        <a:buSzTx/>
-                        <a:buFontTx/>
-                        <a:buNone/>
-                        <a:tabLst/>
-                        <a:defRPr/>
-                      </a:pPr>
-                      <a:r>
-                        <a:rPr lang="en-US" altLang="zh-CN" sz="1000" kern="1200" dirty="0">
-                          <a:solidFill>
-                            <a:schemeClr val="bg2">
-                              <a:lumMod val="25000"/>
-                            </a:schemeClr>
-                          </a:solidFill>
-                          <a:latin typeface="+mn-lt"/>
-                          <a:ea typeface="+mn-ea"/>
-                          <a:cs typeface="+mn-cs"/>
-                        </a:rPr>
-                        <a:t>uint8</a:t>
-                      </a:r>
-                      <a:endParaRPr lang="zh-CN" altLang="en-US" sz="1000" kern="1200" dirty="0">
-                        <a:solidFill>
-                          <a:schemeClr val="bg2">
-                            <a:lumMod val="25000"/>
-                          </a:schemeClr>
-                        </a:solidFill>
-                        <a:latin typeface="+mn-lt"/>
-                        <a:ea typeface="+mn-ea"/>
-                        <a:cs typeface="+mn-cs"/>
-                      </a:endParaRPr>
-                    </a:p>
-                  </a:txBody>
-                  <a:tcPr anchor="ctr">
-                    <a:lnL w="19050" cap="flat" cmpd="sng" algn="ctr">
-                      <a:solidFill>
-                        <a:srgbClr val="FFFFFF"/>
-                      </a:solidFill>
-                      <a:prstDash val="solid"/>
-                      <a:round/>
-                      <a:headEnd type="none" w="med" len="med"/>
-                      <a:tailEnd type="none" w="med" len="med"/>
-                    </a:lnL>
-                    <a:lnR w="19050" cap="flat" cmpd="sng" algn="ctr">
-                      <a:solidFill>
-                        <a:srgbClr val="FFFFFF"/>
-                      </a:solidFill>
-                      <a:prstDash val="solid"/>
-                      <a:round/>
-                      <a:headEnd type="none" w="med" len="med"/>
-                      <a:tailEnd type="none" w="med" len="med"/>
-                    </a:lnR>
-                    <a:lnT w="19050" cap="flat" cmpd="sng" algn="ctr">
-                      <a:solidFill>
-                        <a:srgbClr val="FFFFFF"/>
-                      </a:solidFill>
-                      <a:prstDash val="solid"/>
-                      <a:round/>
-                      <a:headEnd type="none" w="med" len="med"/>
-                      <a:tailEnd type="none" w="med" len="med"/>
-                    </a:lnT>
-                    <a:lnB w="19050" cap="flat" cmpd="sng" algn="ctr">
-                      <a:solidFill>
-                        <a:srgbClr val="FFFFFF"/>
-                      </a:solidFill>
-                      <a:prstDash val="solid"/>
-                      <a:round/>
-                      <a:headEnd type="none" w="med" len="med"/>
-                      <a:tailEnd type="none" w="med" len="med"/>
-                    </a:lnB>
-                    <a:solidFill>
-                      <a:srgbClr val="E8D8F4"/>
                     </a:solidFill>
                   </a:tcPr>
                 </a:tc>
